--- a/Présentation.pptx
+++ b/Présentation.pptx
@@ -176,6 +176,7 @@
           </a:p>
         </c:rich>
       </c:tx>
+      <c:layout/>
       <c:overlay val="0"/>
     </c:title>
     <c:autoTitleDeleted val="0"/>
@@ -3407,11 +3408,11 @@
           <c:showPercent val="0"/>
           <c:showBubbleSize val="0"/>
         </c:dLbls>
-        <c:axId val="1675941040"/>
-        <c:axId val="1679063072"/>
+        <c:axId val="1599083872"/>
+        <c:axId val="1599087136"/>
       </c:radarChart>
       <c:catAx>
-        <c:axId val="1675941040"/>
+        <c:axId val="1599083872"/>
         <c:scaling>
           <c:orientation val="minMax"/>
         </c:scaling>
@@ -3421,7 +3422,7 @@
         <c:majorTickMark val="none"/>
         <c:minorTickMark val="none"/>
         <c:tickLblPos val="none"/>
-        <c:crossAx val="1679063072"/>
+        <c:crossAx val="1599087136"/>
         <c:crosses val="autoZero"/>
         <c:auto val="1"/>
         <c:lblAlgn val="ctr"/>
@@ -3429,7 +3430,7 @@
         <c:noMultiLvlLbl val="0"/>
       </c:catAx>
       <c:valAx>
-        <c:axId val="1679063072"/>
+        <c:axId val="1599087136"/>
         <c:scaling>
           <c:orientation val="minMax"/>
         </c:scaling>
@@ -3459,13 +3460,14 @@
             <a:endParaRPr lang="fr-FR"/>
           </a:p>
         </c:txPr>
-        <c:crossAx val="1675941040"/>
+        <c:crossAx val="1599083872"/>
         <c:crosses val="autoZero"/>
         <c:crossBetween val="between"/>
       </c:valAx>
     </c:plotArea>
     <c:legend>
       <c:legendPos val="r"/>
+      <c:layout/>
       <c:overlay val="0"/>
     </c:legend>
     <c:plotVisOnly val="1"/>
@@ -3513,6 +3515,7 @@
           </a:p>
         </c:rich>
       </c:tx>
+      <c:layout/>
       <c:overlay val="0"/>
     </c:title>
     <c:autoTitleDeleted val="0"/>
@@ -5622,11 +5625,11 @@
           <c:showPercent val="0"/>
           <c:showBubbleSize val="0"/>
         </c:dLbls>
-        <c:axId val="1679066880"/>
-        <c:axId val="1679067424"/>
+        <c:axId val="1599084960"/>
+        <c:axId val="1599095296"/>
       </c:radarChart>
       <c:catAx>
-        <c:axId val="1679066880"/>
+        <c:axId val="1599084960"/>
         <c:scaling>
           <c:orientation val="minMax"/>
         </c:scaling>
@@ -5636,7 +5639,7 @@
         <c:majorTickMark val="none"/>
         <c:minorTickMark val="none"/>
         <c:tickLblPos val="none"/>
-        <c:crossAx val="1679067424"/>
+        <c:crossAx val="1599095296"/>
         <c:crosses val="autoZero"/>
         <c:auto val="1"/>
         <c:lblAlgn val="ctr"/>
@@ -5644,7 +5647,7 @@
         <c:noMultiLvlLbl val="0"/>
       </c:catAx>
       <c:valAx>
-        <c:axId val="1679067424"/>
+        <c:axId val="1599095296"/>
         <c:scaling>
           <c:orientation val="minMax"/>
         </c:scaling>
@@ -5670,13 +5673,14 @@
             <a:endParaRPr lang="fr-FR"/>
           </a:p>
         </c:txPr>
-        <c:crossAx val="1679066880"/>
+        <c:crossAx val="1599084960"/>
         <c:crosses val="autoZero"/>
         <c:crossBetween val="between"/>
       </c:valAx>
     </c:plotArea>
     <c:legend>
       <c:legendPos val="r"/>
+      <c:layout/>
       <c:overlay val="0"/>
     </c:legend>
     <c:plotVisOnly val="1"/>
@@ -5724,6 +5728,7 @@
           </a:p>
         </c:rich>
       </c:tx>
+      <c:layout/>
       <c:overlay val="0"/>
     </c:title>
     <c:autoTitleDeleted val="0"/>
@@ -8349,11 +8354,11 @@
           <c:showPercent val="0"/>
           <c:showBubbleSize val="0"/>
         </c:dLbls>
-        <c:axId val="1679068512"/>
-        <c:axId val="1679064704"/>
+        <c:axId val="1599081696"/>
+        <c:axId val="1599093120"/>
       </c:radarChart>
       <c:catAx>
-        <c:axId val="1679068512"/>
+        <c:axId val="1599081696"/>
         <c:scaling>
           <c:orientation val="minMax"/>
         </c:scaling>
@@ -8363,7 +8368,7 @@
         <c:majorTickMark val="none"/>
         <c:minorTickMark val="none"/>
         <c:tickLblPos val="none"/>
-        <c:crossAx val="1679064704"/>
+        <c:crossAx val="1599093120"/>
         <c:crosses val="autoZero"/>
         <c:auto val="1"/>
         <c:lblAlgn val="ctr"/>
@@ -8371,7 +8376,7 @@
         <c:noMultiLvlLbl val="0"/>
       </c:catAx>
       <c:valAx>
-        <c:axId val="1679064704"/>
+        <c:axId val="1599093120"/>
         <c:scaling>
           <c:orientation val="minMax"/>
         </c:scaling>
@@ -8398,13 +8403,14 @@
             <a:endParaRPr lang="fr-FR"/>
           </a:p>
         </c:txPr>
-        <c:crossAx val="1679068512"/>
+        <c:crossAx val="1599081696"/>
         <c:crosses val="autoZero"/>
         <c:crossBetween val="between"/>
       </c:valAx>
     </c:plotArea>
     <c:legend>
       <c:legendPos val="r"/>
+      <c:layout/>
       <c:overlay val="0"/>
     </c:legend>
     <c:plotVisOnly val="1"/>
@@ -8447,6 +8453,7 @@
           </a:p>
         </c:rich>
       </c:tx>
+      <c:layout/>
       <c:overlay val="0"/>
     </c:title>
     <c:autoTitleDeleted val="0"/>
@@ -9748,11 +9755,11 @@
         </c:dLbls>
         <c:gapWidth val="55"/>
         <c:overlap val="100"/>
-        <c:axId val="1679053824"/>
-        <c:axId val="1679058720"/>
+        <c:axId val="1599093664"/>
+        <c:axId val="1599090400"/>
       </c:barChart>
       <c:catAx>
-        <c:axId val="1679053824"/>
+        <c:axId val="1599093664"/>
         <c:scaling>
           <c:orientation val="minMax"/>
         </c:scaling>
@@ -9774,12 +9781,13 @@
               </a:p>
             </c:rich>
           </c:tx>
+          <c:layout/>
           <c:overlay val="0"/>
         </c:title>
         <c:majorTickMark val="none"/>
         <c:minorTickMark val="none"/>
         <c:tickLblPos val="nextTo"/>
-        <c:crossAx val="1679058720"/>
+        <c:crossAx val="1599090400"/>
         <c:crosses val="autoZero"/>
         <c:auto val="1"/>
         <c:lblAlgn val="ctr"/>
@@ -9787,7 +9795,7 @@
         <c:noMultiLvlLbl val="0"/>
       </c:catAx>
       <c:valAx>
-        <c:axId val="1679058720"/>
+        <c:axId val="1599090400"/>
         <c:scaling>
           <c:orientation val="minMax"/>
         </c:scaling>
@@ -9810,13 +9818,14 @@
               </a:p>
             </c:rich>
           </c:tx>
+          <c:layout/>
           <c:overlay val="0"/>
         </c:title>
         <c:numFmt formatCode="General" sourceLinked="1"/>
         <c:majorTickMark val="none"/>
         <c:minorTickMark val="none"/>
         <c:tickLblPos val="nextTo"/>
-        <c:crossAx val="1679053824"/>
+        <c:crossAx val="1599093664"/>
         <c:crosses val="autoZero"/>
         <c:crossBetween val="between"/>
       </c:valAx>
@@ -9966,7 +9975,7 @@
             <a:fld id="{AA309A6D-C09C-4548-B29A-6CF363A7E532}" type="datetimeFigureOut">
               <a:rPr lang="fr-FR" smtClean="0"/>
               <a:pPr/>
-              <a:t>28/03/2015</a:t>
+              <a:t>29/03/2015</a:t>
             </a:fld>
             <a:endParaRPr lang="fr-BE"/>
           </a:p>
@@ -10281,7 +10290,7 @@
             <a:fld id="{AA309A6D-C09C-4548-B29A-6CF363A7E532}" type="datetimeFigureOut">
               <a:rPr lang="fr-FR" smtClean="0"/>
               <a:pPr/>
-              <a:t>28/03/2015</a:t>
+              <a:t>29/03/2015</a:t>
             </a:fld>
             <a:endParaRPr lang="fr-BE"/>
           </a:p>
@@ -10468,7 +10477,7 @@
             <a:fld id="{AA309A6D-C09C-4548-B29A-6CF363A7E532}" type="datetimeFigureOut">
               <a:rPr lang="fr-FR" smtClean="0"/>
               <a:pPr/>
-              <a:t>28/03/2015</a:t>
+              <a:t>29/03/2015</a:t>
             </a:fld>
             <a:endParaRPr lang="fr-BE"/>
           </a:p>
@@ -10645,7 +10654,7 @@
             <a:fld id="{AA309A6D-C09C-4548-B29A-6CF363A7E532}" type="datetimeFigureOut">
               <a:rPr lang="fr-FR" smtClean="0"/>
               <a:pPr/>
-              <a:t>28/03/2015</a:t>
+              <a:t>29/03/2015</a:t>
             </a:fld>
             <a:endParaRPr lang="fr-BE"/>
           </a:p>
@@ -10915,7 +10924,7 @@
             <a:fld id="{AA309A6D-C09C-4548-B29A-6CF363A7E532}" type="datetimeFigureOut">
               <a:rPr lang="fr-FR" smtClean="0"/>
               <a:pPr/>
-              <a:t>28/03/2015</a:t>
+              <a:t>29/03/2015</a:t>
             </a:fld>
             <a:endParaRPr lang="fr-BE"/>
           </a:p>
@@ -11385,7 +11394,7 @@
             <a:fld id="{AA309A6D-C09C-4548-B29A-6CF363A7E532}" type="datetimeFigureOut">
               <a:rPr lang="fr-FR" smtClean="0"/>
               <a:pPr/>
-              <a:t>28/03/2015</a:t>
+              <a:t>29/03/2015</a:t>
             </a:fld>
             <a:endParaRPr lang="fr-BE"/>
           </a:p>
@@ -11876,7 +11885,7 @@
             <a:fld id="{AA309A6D-C09C-4548-B29A-6CF363A7E532}" type="datetimeFigureOut">
               <a:rPr lang="fr-FR" smtClean="0"/>
               <a:pPr/>
-              <a:t>28/03/2015</a:t>
+              <a:t>29/03/2015</a:t>
             </a:fld>
             <a:endParaRPr lang="fr-BE"/>
           </a:p>
@@ -12004,7 +12013,7 @@
             <a:fld id="{AA309A6D-C09C-4548-B29A-6CF363A7E532}" type="datetimeFigureOut">
               <a:rPr lang="fr-FR" smtClean="0"/>
               <a:pPr/>
-              <a:t>28/03/2015</a:t>
+              <a:t>29/03/2015</a:t>
             </a:fld>
             <a:endParaRPr lang="fr-BE"/>
           </a:p>
@@ -12150,7 +12159,7 @@
             <a:fld id="{AA309A6D-C09C-4548-B29A-6CF363A7E532}" type="datetimeFigureOut">
               <a:rPr lang="fr-FR" smtClean="0"/>
               <a:pPr/>
-              <a:t>28/03/2015</a:t>
+              <a:t>29/03/2015</a:t>
             </a:fld>
             <a:endParaRPr lang="fr-BE"/>
           </a:p>
@@ -12474,7 +12483,7 @@
             <a:fld id="{AA309A6D-C09C-4548-B29A-6CF363A7E532}" type="datetimeFigureOut">
               <a:rPr lang="fr-FR" smtClean="0"/>
               <a:pPr/>
-              <a:t>28/03/2015</a:t>
+              <a:t>29/03/2015</a:t>
             </a:fld>
             <a:endParaRPr lang="fr-BE"/>
           </a:p>
@@ -12610,7 +12619,7 @@
             <a:fld id="{AA309A6D-C09C-4548-B29A-6CF363A7E532}" type="datetimeFigureOut">
               <a:rPr lang="fr-FR" smtClean="0"/>
               <a:pPr/>
-              <a:t>28/03/2015</a:t>
+              <a:t>29/03/2015</a:t>
             </a:fld>
             <a:endParaRPr lang="fr-BE"/>
           </a:p>
@@ -13393,7 +13402,7 @@
             <a:fld id="{AA309A6D-C09C-4548-B29A-6CF363A7E532}" type="datetimeFigureOut">
               <a:rPr lang="fr-FR" smtClean="0"/>
               <a:pPr/>
-              <a:t>28/03/2015</a:t>
+              <a:t>29/03/2015</a:t>
             </a:fld>
             <a:endParaRPr lang="fr-BE"/>
           </a:p>
@@ -14342,8 +14351,13 @@
             </a:pPr>
             <a:r>
               <a:rPr lang="fr-CH" dirty="0" smtClean="0"/>
-              <a:t>Détection des extrêmes (sauf options)</a:t>
+              <a:t>Détection des </a:t>
             </a:r>
+            <a:r>
+              <a:rPr lang="fr-CH" dirty="0" smtClean="0"/>
+              <a:t>extrêmes</a:t>
+            </a:r>
+            <a:endParaRPr lang="fr-CH" dirty="0" smtClean="0"/>
           </a:p>
           <a:p>
             <a:pPr marL="596646" indent="-514350">
@@ -14423,6 +14437,47 @@
           </a:p>
         </p:txBody>
       </p:sp>
+      <p:pic>
+        <p:nvPicPr>
+          <p:cNvPr id="4" name="Picture 2" descr="http://www.endmemo.com/physics/pic/spendulum.png"/>
+          <p:cNvPicPr>
+            <a:picLocks noChangeAspect="1" noChangeArrowheads="1"/>
+          </p:cNvPicPr>
+          <p:nvPr/>
+        </p:nvPicPr>
+        <p:blipFill>
+          <a:blip r:embed="rId2">
+            <a:extLst>
+              <a:ext uri="{28A0092B-C50C-407E-A947-70E740481C1C}">
+                <a14:useLocalDpi xmlns:a14="http://schemas.microsoft.com/office/drawing/2010/main" val="0"/>
+              </a:ext>
+            </a:extLst>
+          </a:blip>
+          <a:srcRect/>
+          <a:stretch>
+            <a:fillRect/>
+          </a:stretch>
+        </p:blipFill>
+        <p:spPr bwMode="auto">
+          <a:xfrm>
+            <a:off x="5819775" y="5301208"/>
+            <a:ext cx="3324225" cy="1457326"/>
+          </a:xfrm>
+          <a:prstGeom prst="rect">
+            <a:avLst/>
+          </a:prstGeom>
+          <a:noFill/>
+          <a:extLst>
+            <a:ext uri="{909E8E84-426E-40DD-AFC4-6F175D3DCCD1}">
+              <a14:hiddenFill xmlns:a14="http://schemas.microsoft.com/office/drawing/2010/main">
+                <a:solidFill>
+                  <a:srgbClr val="FFFFFF"/>
+                </a:solidFill>
+              </a14:hiddenFill>
+            </a:ext>
+          </a:extLst>
+        </p:spPr>
+      </p:pic>
     </p:spTree>
   </p:cSld>
   <p:clrMapOvr>
@@ -31444,8 +31499,8 @@
           </a:p>
         </p:txBody>
       </p:sp>
-      <mc:AlternateContent xmlns:mc="http://schemas.openxmlformats.org/markup-compatibility/2006">
-        <mc:Choice xmlns:a14="http://schemas.microsoft.com/office/drawing/2010/main" Requires="a14">
+      <mc:AlternateContent xmlns:mc="http://schemas.openxmlformats.org/markup-compatibility/2006" xmlns:a14="http://schemas.microsoft.com/office/drawing/2010/main">
+        <mc:Choice Requires="a14">
           <p:sp>
             <p:nvSpPr>
               <p:cNvPr id="3" name="Espace réservé du contenu 2"/>
@@ -31741,7 +31796,7 @@
             </p:txBody>
           </p:sp>
         </mc:Choice>
-        <mc:Fallback>
+        <mc:Fallback xmlns="">
           <p:sp>
             <p:nvSpPr>
               <p:cNvPr id="3" name="Espace réservé du contenu 2"/>
@@ -32053,6 +32108,47 @@
           </a:p>
         </p:txBody>
       </p:sp>
+      <p:pic>
+        <p:nvPicPr>
+          <p:cNvPr id="4" name="Picture 2" descr="http://www.endmemo.com/physics/pic/spendulum.png"/>
+          <p:cNvPicPr>
+            <a:picLocks noChangeAspect="1" noChangeArrowheads="1"/>
+          </p:cNvPicPr>
+          <p:nvPr/>
+        </p:nvPicPr>
+        <p:blipFill>
+          <a:blip r:embed="rId2">
+            <a:extLst>
+              <a:ext uri="{28A0092B-C50C-407E-A947-70E740481C1C}">
+                <a14:useLocalDpi xmlns:a14="http://schemas.microsoft.com/office/drawing/2010/main" val="0"/>
+              </a:ext>
+            </a:extLst>
+          </a:blip>
+          <a:srcRect/>
+          <a:stretch>
+            <a:fillRect/>
+          </a:stretch>
+        </p:blipFill>
+        <p:spPr bwMode="auto">
+          <a:xfrm>
+            <a:off x="5609463" y="3284984"/>
+            <a:ext cx="3324225" cy="1457326"/>
+          </a:xfrm>
+          <a:prstGeom prst="rect">
+            <a:avLst/>
+          </a:prstGeom>
+          <a:noFill/>
+          <a:extLst>
+            <a:ext uri="{909E8E84-426E-40DD-AFC4-6F175D3DCCD1}">
+              <a14:hiddenFill xmlns:a14="http://schemas.microsoft.com/office/drawing/2010/main">
+                <a:solidFill>
+                  <a:srgbClr val="FFFFFF"/>
+                </a:solidFill>
+              </a14:hiddenFill>
+            </a:ext>
+          </a:extLst>
+        </p:spPr>
+      </p:pic>
     </p:spTree>
   </p:cSld>
   <p:clrMapOvr>
@@ -32742,8 +32838,13 @@
             </a:r>
             <a:r>
               <a:rPr lang="fr-CH" dirty="0" smtClean="0"/>
-              <a:t>) avec temps</a:t>
+              <a:t>) avec </a:t>
             </a:r>
+            <a:r>
+              <a:rPr lang="fr-CH" dirty="0" err="1" smtClean="0"/>
+              <a:t>timestamp</a:t>
+            </a:r>
+            <a:endParaRPr lang="fr-CH" dirty="0" smtClean="0"/>
           </a:p>
           <a:p>
             <a:pPr lvl="1"/>
@@ -32933,7 +33034,7 @@
         </p:spPr>
         <p:txBody>
           <a:bodyPr>
-            <a:normAutofit fontScale="85000" lnSpcReduction="20000"/>
+            <a:normAutofit fontScale="92500" lnSpcReduction="10000"/>
           </a:bodyPr>
           <a:lstStyle/>
           <a:p>
@@ -32945,20 +33046,11 @@
           <a:p>
             <a:r>
               <a:rPr lang="fr-CH" dirty="0" smtClean="0"/>
-              <a:t>Entrée optionnelle :</a:t>
+              <a:t>Opérations </a:t>
             </a:r>
-          </a:p>
-          <a:p>
-            <a:pPr lvl="1"/>
             <a:r>
               <a:rPr lang="fr-CH" dirty="0" smtClean="0"/>
-              <a:t>Seuil de points de correspondance</a:t>
-            </a:r>
-          </a:p>
-          <a:p>
-            <a:r>
-              <a:rPr lang="fr-CH" dirty="0" smtClean="0"/>
-              <a:t>Opérations :</a:t>
+              <a:t>:</a:t>
             </a:r>
           </a:p>
           <a:p>
@@ -32979,33 +33071,56 @@
             <a:pPr lvl="1"/>
             <a:r>
               <a:rPr lang="fr-CH" dirty="0" smtClean="0"/>
-              <a:t>Comparaison des points caractéristiques</a:t>
+              <a:t>Comparaison des points </a:t>
+            </a:r>
+            <a:r>
+              <a:rPr lang="fr-CH" dirty="0" smtClean="0"/>
+              <a:t>caractéristiques</a:t>
             </a:r>
           </a:p>
           <a:p>
             <a:pPr lvl="1"/>
             <a:r>
               <a:rPr lang="fr-CH" dirty="0" smtClean="0"/>
-              <a:t>Calcul des centres de gravité</a:t>
+              <a:t>Calcul </a:t>
             </a:r>
-          </a:p>
-          <a:p>
             <a:r>
               <a:rPr lang="fr-CH" dirty="0" smtClean="0"/>
-              <a:t>Pré-analyse optionnelle :</a:t>
+              <a:t>des centres de </a:t>
+            </a:r>
+            <a:r>
+              <a:rPr lang="fr-CH" dirty="0" smtClean="0"/>
+              <a:t>gravité</a:t>
             </a:r>
           </a:p>
           <a:p>
             <a:pPr lvl="1"/>
             <a:r>
+              <a:rPr lang="fr-CH" dirty="0"/>
+              <a:t>S</a:t>
+            </a:r>
+            <a:r>
               <a:rPr lang="fr-CH" dirty="0" smtClean="0"/>
-              <a:t>Suppression des points sous le seuil de correspondance</a:t>
+              <a:t>tockage </a:t>
             </a:r>
+            <a:r>
+              <a:rPr lang="fr-CH" dirty="0"/>
+              <a:t>du nombre de </a:t>
+            </a:r>
+            <a:r>
+              <a:rPr lang="fr-CH" dirty="0" smtClean="0"/>
+              <a:t>correspondances</a:t>
+            </a:r>
+            <a:endParaRPr lang="fr-CH" dirty="0" smtClean="0"/>
           </a:p>
           <a:p>
             <a:r>
               <a:rPr lang="fr-CH" dirty="0" smtClean="0"/>
-              <a:t>Résultat :</a:t>
+              <a:t>Résultat </a:t>
+            </a:r>
+            <a:r>
+              <a:rPr lang="fr-CH" dirty="0" smtClean="0"/>
+              <a:t>:</a:t>
             </a:r>
           </a:p>
           <a:p>
@@ -33022,14 +33137,35 @@
             </a:r>
             <a:r>
               <a:rPr lang="fr-CH" dirty="0" smtClean="0"/>
-              <a:t>) avec temps</a:t>
+              <a:t>, #matchs) </a:t>
+            </a:r>
+            <a:r>
+              <a:rPr lang="fr-CH" dirty="0" smtClean="0"/>
+              <a:t>avec </a:t>
+            </a:r>
+            <a:r>
+              <a:rPr lang="fr-CH" dirty="0" err="1" smtClean="0"/>
+              <a:t>timestamp</a:t>
+            </a:r>
+            <a:endParaRPr lang="fr-CH" dirty="0" smtClean="0"/>
+          </a:p>
+          <a:p>
+            <a:r>
+              <a:rPr lang="fr-CH" dirty="0" smtClean="0"/>
+              <a:t>Options d’optimisation</a:t>
             </a:r>
           </a:p>
           <a:p>
-            <a:pPr lvl="1">
-              <a:buNone/>
-            </a:pPr>
-            <a:endParaRPr lang="fr-CH" dirty="0" smtClean="0"/>
+            <a:pPr lvl="1"/>
+            <a:r>
+              <a:rPr lang="fr-CH" dirty="0" smtClean="0"/>
+              <a:t>Mémoriser les points qui ont plus que S </a:t>
+            </a:r>
+            <a:r>
+              <a:rPr lang="fr-CH" i="1" dirty="0" smtClean="0"/>
+              <a:t>matchs</a:t>
+            </a:r>
+            <a:endParaRPr lang="fr-CH" i="1" dirty="0" smtClean="0"/>
           </a:p>
           <a:p>
             <a:pPr lvl="1"/>
@@ -33058,7 +33194,7 @@
         </p:blipFill>
         <p:spPr bwMode="auto">
           <a:xfrm>
-            <a:off x="7092280" y="1484784"/>
+            <a:off x="7236296" y="868210"/>
             <a:ext cx="1512168" cy="1512168"/>
           </a:xfrm>
           <a:prstGeom prst="rect">

--- a/Présentation.pptx
+++ b/Présentation.pptx
@@ -3408,11 +3408,11 @@
           <c:showPercent val="0"/>
           <c:showBubbleSize val="0"/>
         </c:dLbls>
-        <c:axId val="1599083872"/>
-        <c:axId val="1599087136"/>
+        <c:axId val="213777152"/>
+        <c:axId val="213774432"/>
       </c:radarChart>
       <c:catAx>
-        <c:axId val="1599083872"/>
+        <c:axId val="213777152"/>
         <c:scaling>
           <c:orientation val="minMax"/>
         </c:scaling>
@@ -3422,7 +3422,7 @@
         <c:majorTickMark val="none"/>
         <c:minorTickMark val="none"/>
         <c:tickLblPos val="none"/>
-        <c:crossAx val="1599087136"/>
+        <c:crossAx val="213774432"/>
         <c:crosses val="autoZero"/>
         <c:auto val="1"/>
         <c:lblAlgn val="ctr"/>
@@ -3430,7 +3430,7 @@
         <c:noMultiLvlLbl val="0"/>
       </c:catAx>
       <c:valAx>
-        <c:axId val="1599087136"/>
+        <c:axId val="213774432"/>
         <c:scaling>
           <c:orientation val="minMax"/>
         </c:scaling>
@@ -3460,7 +3460,7 @@
             <a:endParaRPr lang="fr-FR"/>
           </a:p>
         </c:txPr>
-        <c:crossAx val="1599083872"/>
+        <c:crossAx val="213777152"/>
         <c:crosses val="autoZero"/>
         <c:crossBetween val="between"/>
       </c:valAx>
@@ -5625,11 +5625,11 @@
           <c:showPercent val="0"/>
           <c:showBubbleSize val="0"/>
         </c:dLbls>
-        <c:axId val="1599084960"/>
-        <c:axId val="1599095296"/>
+        <c:axId val="213772256"/>
+        <c:axId val="213766816"/>
       </c:radarChart>
       <c:catAx>
-        <c:axId val="1599084960"/>
+        <c:axId val="213772256"/>
         <c:scaling>
           <c:orientation val="minMax"/>
         </c:scaling>
@@ -5639,7 +5639,7 @@
         <c:majorTickMark val="none"/>
         <c:minorTickMark val="none"/>
         <c:tickLblPos val="none"/>
-        <c:crossAx val="1599095296"/>
+        <c:crossAx val="213766816"/>
         <c:crosses val="autoZero"/>
         <c:auto val="1"/>
         <c:lblAlgn val="ctr"/>
@@ -5647,7 +5647,7 @@
         <c:noMultiLvlLbl val="0"/>
       </c:catAx>
       <c:valAx>
-        <c:axId val="1599095296"/>
+        <c:axId val="213766816"/>
         <c:scaling>
           <c:orientation val="minMax"/>
         </c:scaling>
@@ -5673,7 +5673,7 @@
             <a:endParaRPr lang="fr-FR"/>
           </a:p>
         </c:txPr>
-        <c:crossAx val="1599084960"/>
+        <c:crossAx val="213772256"/>
         <c:crosses val="autoZero"/>
         <c:crossBetween val="between"/>
       </c:valAx>
@@ -8354,11 +8354,11 @@
           <c:showPercent val="0"/>
           <c:showBubbleSize val="0"/>
         </c:dLbls>
-        <c:axId val="1599081696"/>
-        <c:axId val="1599093120"/>
+        <c:axId val="213772800"/>
+        <c:axId val="213767904"/>
       </c:radarChart>
       <c:catAx>
-        <c:axId val="1599081696"/>
+        <c:axId val="213772800"/>
         <c:scaling>
           <c:orientation val="minMax"/>
         </c:scaling>
@@ -8368,7 +8368,7 @@
         <c:majorTickMark val="none"/>
         <c:minorTickMark val="none"/>
         <c:tickLblPos val="none"/>
-        <c:crossAx val="1599093120"/>
+        <c:crossAx val="213767904"/>
         <c:crosses val="autoZero"/>
         <c:auto val="1"/>
         <c:lblAlgn val="ctr"/>
@@ -8376,7 +8376,7 @@
         <c:noMultiLvlLbl val="0"/>
       </c:catAx>
       <c:valAx>
-        <c:axId val="1599093120"/>
+        <c:axId val="213767904"/>
         <c:scaling>
           <c:orientation val="minMax"/>
         </c:scaling>
@@ -8403,7 +8403,7 @@
             <a:endParaRPr lang="fr-FR"/>
           </a:p>
         </c:txPr>
-        <c:crossAx val="1599081696"/>
+        <c:crossAx val="213772800"/>
         <c:crosses val="autoZero"/>
         <c:crossBetween val="between"/>
       </c:valAx>
@@ -9755,11 +9755,11 @@
         </c:dLbls>
         <c:gapWidth val="55"/>
         <c:overlap val="100"/>
-        <c:axId val="1599093664"/>
-        <c:axId val="1599090400"/>
+        <c:axId val="213774976"/>
+        <c:axId val="213780416"/>
       </c:barChart>
       <c:catAx>
-        <c:axId val="1599093664"/>
+        <c:axId val="213774976"/>
         <c:scaling>
           <c:orientation val="minMax"/>
         </c:scaling>
@@ -9787,7 +9787,7 @@
         <c:majorTickMark val="none"/>
         <c:minorTickMark val="none"/>
         <c:tickLblPos val="nextTo"/>
-        <c:crossAx val="1599090400"/>
+        <c:crossAx val="213780416"/>
         <c:crosses val="autoZero"/>
         <c:auto val="1"/>
         <c:lblAlgn val="ctr"/>
@@ -9795,7 +9795,7 @@
         <c:noMultiLvlLbl val="0"/>
       </c:catAx>
       <c:valAx>
-        <c:axId val="1599090400"/>
+        <c:axId val="213780416"/>
         <c:scaling>
           <c:orientation val="minMax"/>
         </c:scaling>
@@ -9825,7 +9825,7 @@
         <c:majorTickMark val="none"/>
         <c:minorTickMark val="none"/>
         <c:tickLblPos val="nextTo"/>
-        <c:crossAx val="1599093664"/>
+        <c:crossAx val="213774976"/>
         <c:crosses val="autoZero"/>
         <c:crossBetween val="between"/>
       </c:valAx>
@@ -9975,7 +9975,7 @@
             <a:fld id="{AA309A6D-C09C-4548-B29A-6CF363A7E532}" type="datetimeFigureOut">
               <a:rPr lang="fr-FR" smtClean="0"/>
               <a:pPr/>
-              <a:t>29/03/2015</a:t>
+              <a:t>30/03/2015</a:t>
             </a:fld>
             <a:endParaRPr lang="fr-BE"/>
           </a:p>
@@ -10290,7 +10290,7 @@
             <a:fld id="{AA309A6D-C09C-4548-B29A-6CF363A7E532}" type="datetimeFigureOut">
               <a:rPr lang="fr-FR" smtClean="0"/>
               <a:pPr/>
-              <a:t>29/03/2015</a:t>
+              <a:t>30/03/2015</a:t>
             </a:fld>
             <a:endParaRPr lang="fr-BE"/>
           </a:p>
@@ -10477,7 +10477,7 @@
             <a:fld id="{AA309A6D-C09C-4548-B29A-6CF363A7E532}" type="datetimeFigureOut">
               <a:rPr lang="fr-FR" smtClean="0"/>
               <a:pPr/>
-              <a:t>29/03/2015</a:t>
+              <a:t>30/03/2015</a:t>
             </a:fld>
             <a:endParaRPr lang="fr-BE"/>
           </a:p>
@@ -10654,7 +10654,7 @@
             <a:fld id="{AA309A6D-C09C-4548-B29A-6CF363A7E532}" type="datetimeFigureOut">
               <a:rPr lang="fr-FR" smtClean="0"/>
               <a:pPr/>
-              <a:t>29/03/2015</a:t>
+              <a:t>30/03/2015</a:t>
             </a:fld>
             <a:endParaRPr lang="fr-BE"/>
           </a:p>
@@ -10924,7 +10924,7 @@
             <a:fld id="{AA309A6D-C09C-4548-B29A-6CF363A7E532}" type="datetimeFigureOut">
               <a:rPr lang="fr-FR" smtClean="0"/>
               <a:pPr/>
-              <a:t>29/03/2015</a:t>
+              <a:t>30/03/2015</a:t>
             </a:fld>
             <a:endParaRPr lang="fr-BE"/>
           </a:p>
@@ -11394,7 +11394,7 @@
             <a:fld id="{AA309A6D-C09C-4548-B29A-6CF363A7E532}" type="datetimeFigureOut">
               <a:rPr lang="fr-FR" smtClean="0"/>
               <a:pPr/>
-              <a:t>29/03/2015</a:t>
+              <a:t>30/03/2015</a:t>
             </a:fld>
             <a:endParaRPr lang="fr-BE"/>
           </a:p>
@@ -11885,7 +11885,7 @@
             <a:fld id="{AA309A6D-C09C-4548-B29A-6CF363A7E532}" type="datetimeFigureOut">
               <a:rPr lang="fr-FR" smtClean="0"/>
               <a:pPr/>
-              <a:t>29/03/2015</a:t>
+              <a:t>30/03/2015</a:t>
             </a:fld>
             <a:endParaRPr lang="fr-BE"/>
           </a:p>
@@ -12013,7 +12013,7 @@
             <a:fld id="{AA309A6D-C09C-4548-B29A-6CF363A7E532}" type="datetimeFigureOut">
               <a:rPr lang="fr-FR" smtClean="0"/>
               <a:pPr/>
-              <a:t>29/03/2015</a:t>
+              <a:t>30/03/2015</a:t>
             </a:fld>
             <a:endParaRPr lang="fr-BE"/>
           </a:p>
@@ -12159,7 +12159,7 @@
             <a:fld id="{AA309A6D-C09C-4548-B29A-6CF363A7E532}" type="datetimeFigureOut">
               <a:rPr lang="fr-FR" smtClean="0"/>
               <a:pPr/>
-              <a:t>29/03/2015</a:t>
+              <a:t>30/03/2015</a:t>
             </a:fld>
             <a:endParaRPr lang="fr-BE"/>
           </a:p>
@@ -12483,7 +12483,7 @@
             <a:fld id="{AA309A6D-C09C-4548-B29A-6CF363A7E532}" type="datetimeFigureOut">
               <a:rPr lang="fr-FR" smtClean="0"/>
               <a:pPr/>
-              <a:t>29/03/2015</a:t>
+              <a:t>30/03/2015</a:t>
             </a:fld>
             <a:endParaRPr lang="fr-BE"/>
           </a:p>
@@ -12619,7 +12619,7 @@
             <a:fld id="{AA309A6D-C09C-4548-B29A-6CF363A7E532}" type="datetimeFigureOut">
               <a:rPr lang="fr-FR" smtClean="0"/>
               <a:pPr/>
-              <a:t>29/03/2015</a:t>
+              <a:t>30/03/2015</a:t>
             </a:fld>
             <a:endParaRPr lang="fr-BE"/>
           </a:p>
@@ -13402,7 +13402,7 @@
             <a:fld id="{AA309A6D-C09C-4548-B29A-6CF363A7E532}" type="datetimeFigureOut">
               <a:rPr lang="fr-FR" smtClean="0"/>
               <a:pPr/>
-              <a:t>29/03/2015</a:t>
+              <a:t>30/03/2015</a:t>
             </a:fld>
             <a:endParaRPr lang="fr-BE"/>
           </a:p>
@@ -14351,13 +14351,8 @@
             </a:pPr>
             <a:r>
               <a:rPr lang="fr-CH" dirty="0" smtClean="0"/>
-              <a:t>Détection des </a:t>
+              <a:t>Détection des extrêmes</a:t>
             </a:r>
-            <a:r>
-              <a:rPr lang="fr-CH" dirty="0" smtClean="0"/>
-              <a:t>extrêmes</a:t>
-            </a:r>
-            <a:endParaRPr lang="fr-CH" dirty="0" smtClean="0"/>
           </a:p>
           <a:p>
             <a:pPr marL="596646" indent="-514350">
@@ -14547,14 +14542,14 @@
             <p:ph idx="1"/>
             <p:extLst>
               <p:ext uri="{D42A27DB-BD31-4B8C-83A1-F6EECF244321}">
-                <p14:modId xmlns:p14="http://schemas.microsoft.com/office/powerpoint/2010/main" val="1100262325"/>
+                <p14:modId xmlns:p14="http://schemas.microsoft.com/office/powerpoint/2010/main" val="1289526221"/>
               </p:ext>
             </p:extLst>
           </p:nvPr>
         </p:nvGraphicFramePr>
         <p:xfrm>
           <a:off x="1259632" y="1916832"/>
-          <a:ext cx="7560840" cy="3960448"/>
+          <a:ext cx="7560840" cy="4048003"/>
         </p:xfrm>
         <a:graphic>
           <a:graphicData uri="http://schemas.openxmlformats.org/drawingml/2006/table">
@@ -14569,14 +14564,14 @@
                 <a:gridCol w="1332090"/>
               </a:tblGrid>
               <a:tr h="247528">
-                <a:tc gridSpan="5">
+                <a:tc gridSpan="6">
                   <a:txBody>
                     <a:bodyPr/>
                     <a:lstStyle/>
                     <a:p>
                       <a:pPr algn="l" fontAlgn="b"/>
                       <a:r>
-                        <a:rPr lang="fr-CH" sz="1400" b="1" i="0" u="none" strike="noStrike" dirty="0">
+                        <a:rPr lang="fr-CH" sz="1600" b="1" i="0" u="none" strike="noStrike" dirty="0">
                           <a:solidFill>
                             <a:srgbClr val="000000"/>
                           </a:solidFill>
@@ -14586,7 +14581,7 @@
                         <a:t>Exemple avec split couleur bleue, </a:t>
                       </a:r>
                       <a:r>
-                        <a:rPr lang="fr-CH" sz="1400" b="1" i="0" u="none" strike="noStrike" dirty="0" err="1">
+                        <a:rPr lang="fr-CH" sz="1600" b="1" i="0" u="none" strike="noStrike" dirty="0" err="1">
                           <a:solidFill>
                             <a:srgbClr val="000000"/>
                           </a:solidFill>
@@ -14596,7 +14591,7 @@
                         <a:t>threshold</a:t>
                       </a:r>
                       <a:r>
-                        <a:rPr lang="fr-CH" sz="1400" b="1" i="0" u="none" strike="noStrike" dirty="0">
+                        <a:rPr lang="fr-CH" sz="1600" b="1" i="0" u="none" strike="noStrike" dirty="0">
                           <a:solidFill>
                             <a:srgbClr val="000000"/>
                           </a:solidFill>
@@ -14606,7 +14601,7 @@
                         <a:t>, ouverture et les cercles de </a:t>
                       </a:r>
                       <a:r>
-                        <a:rPr lang="fr-CH" sz="1400" b="1" i="0" u="none" strike="noStrike" dirty="0" err="1">
+                        <a:rPr lang="fr-CH" sz="1600" b="1" i="0" u="none" strike="noStrike" dirty="0" err="1">
                           <a:solidFill>
                             <a:srgbClr val="000000"/>
                           </a:solidFill>
@@ -14615,7 +14610,7 @@
                         </a:rPr>
                         <a:t>Hough</a:t>
                       </a:r>
-                      <a:endParaRPr lang="fr-CH" sz="1400" b="1" i="0" u="none" strike="noStrike" dirty="0">
+                      <a:endParaRPr lang="fr-CH" sz="1600" b="1" i="0" u="none" strike="noStrike" dirty="0">
                         <a:solidFill>
                           <a:srgbClr val="000000"/>
                         </a:solidFill>
@@ -14679,13 +14674,13 @@
                   </a:txBody>
                   <a:tcPr/>
                 </a:tc>
-                <a:tc>
+                <a:tc hMerge="1">
                   <a:txBody>
                     <a:bodyPr/>
                     <a:lstStyle/>
                     <a:p>
                       <a:pPr algn="l" fontAlgn="b"/>
-                      <a:endParaRPr lang="fr-CH" sz="1100" b="0" i="0" u="none" strike="noStrike">
+                      <a:endParaRPr lang="fr-CH" sz="1100" b="0" i="0" u="none" strike="noStrike" dirty="0">
                         <a:solidFill>
                           <a:srgbClr val="000000"/>
                         </a:solidFill>
@@ -14718,7 +14713,7 @@
                     <a:p>
                       <a:pPr algn="l" fontAlgn="b"/>
                       <a:r>
-                        <a:rPr lang="fr-CH" sz="1400" b="1" i="0" u="none" strike="noStrike">
+                        <a:rPr lang="fr-CH" sz="1600" b="1" i="0" u="none" strike="noStrike" dirty="0">
                           <a:solidFill>
                             <a:srgbClr val="000000"/>
                           </a:solidFill>
@@ -14796,14 +14791,14 @@
                 </a:tc>
               </a:tr>
               <a:tr h="247528">
-                <a:tc gridSpan="2">
+                <a:tc gridSpan="3">
                   <a:txBody>
                     <a:bodyPr/>
                     <a:lstStyle/>
                     <a:p>
                       <a:pPr algn="l" fontAlgn="b"/>
                       <a:r>
-                        <a:rPr lang="fr-CH" sz="1400" b="1" i="0" u="none" strike="noStrike" dirty="0">
+                        <a:rPr lang="fr-CH" sz="1600" b="1" i="0" u="none" strike="noStrike" dirty="0">
                           <a:solidFill>
                             <a:srgbClr val="000000"/>
                           </a:solidFill>
@@ -14839,13 +14834,13 @@
                   </a:txBody>
                   <a:tcPr/>
                 </a:tc>
-                <a:tc>
+                <a:tc hMerge="1">
                   <a:txBody>
                     <a:bodyPr/>
                     <a:lstStyle/>
                     <a:p>
                       <a:pPr algn="l" fontAlgn="b"/>
-                      <a:endParaRPr lang="fr-CH" sz="1100" b="0" i="0" u="none" strike="noStrike">
+                      <a:endParaRPr lang="fr-CH" sz="1100" b="0" i="0" u="none" strike="noStrike" dirty="0">
                         <a:solidFill>
                           <a:srgbClr val="000000"/>
                         </a:solidFill>
@@ -14875,7 +14870,7 @@
                     <a:lstStyle/>
                     <a:p>
                       <a:pPr algn="l" fontAlgn="b"/>
-                      <a:endParaRPr lang="fr-CH" sz="1100" b="0" i="0" u="none" strike="noStrike">
+                      <a:endParaRPr lang="fr-CH" sz="1100" b="0" i="0" u="none" strike="noStrike" dirty="0">
                         <a:solidFill>
                           <a:srgbClr val="000000"/>
                         </a:solidFill>
@@ -15186,7 +15181,7 @@
                     <a:p>
                       <a:pPr algn="l" fontAlgn="b"/>
                       <a:r>
-                        <a:rPr lang="fr-CH" sz="1100" b="1" i="0" u="none" strike="noStrike">
+                        <a:rPr lang="fr-CH" sz="1600" b="1" i="0" u="none" strike="noStrike" dirty="0">
                           <a:solidFill>
                             <a:srgbClr val="000000"/>
                           </a:solidFill>
@@ -15243,7 +15238,7 @@
                     <a:p>
                       <a:pPr algn="l" fontAlgn="b"/>
                       <a:r>
-                        <a:rPr lang="fr-CH" sz="1100" b="1" i="0" u="none" strike="noStrike">
+                        <a:rPr lang="fr-CH" sz="1600" b="1" i="0" u="none" strike="noStrike">
                           <a:solidFill>
                             <a:srgbClr val="000000"/>
                           </a:solidFill>
@@ -15300,7 +15295,7 @@
                     <a:p>
                       <a:pPr algn="l" fontAlgn="b"/>
                       <a:r>
-                        <a:rPr lang="fr-CH" sz="1100" b="1" i="0" u="none" strike="noStrike">
+                        <a:rPr lang="fr-CH" sz="1600" b="1" i="0" u="none" strike="noStrike">
                           <a:solidFill>
                             <a:srgbClr val="000000"/>
                           </a:solidFill>
@@ -15357,7 +15352,7 @@
                     <a:p>
                       <a:pPr algn="l" fontAlgn="b"/>
                       <a:r>
-                        <a:rPr lang="fr-CH" sz="1100" b="1" i="0" u="none" strike="noStrike">
+                        <a:rPr lang="fr-CH" sz="1600" b="1" i="0" u="none" strike="noStrike">
                           <a:solidFill>
                             <a:srgbClr val="000000"/>
                           </a:solidFill>
@@ -15414,7 +15409,7 @@
                     <a:p>
                       <a:pPr algn="l" fontAlgn="b"/>
                       <a:r>
-                        <a:rPr lang="fr-CH" sz="1100" b="1" i="0" u="none" strike="noStrike">
+                        <a:rPr lang="fr-CH" sz="1600" b="1" i="0" u="none" strike="noStrike">
                           <a:solidFill>
                             <a:srgbClr val="000000"/>
                           </a:solidFill>
@@ -15471,7 +15466,7 @@
                     <a:p>
                       <a:pPr algn="l" fontAlgn="b"/>
                       <a:r>
-                        <a:rPr lang="fr-CH" sz="1100" b="1" i="0" u="none" strike="noStrike">
+                        <a:rPr lang="fr-CH" sz="1600" b="1" i="0" u="none" strike="noStrike">
                           <a:solidFill>
                             <a:srgbClr val="000000"/>
                           </a:solidFill>
@@ -15530,7 +15525,7 @@
                     <a:p>
                       <a:pPr algn="l" fontAlgn="b"/>
                       <a:r>
-                        <a:rPr lang="fr-CH" sz="1100" b="0" i="0" u="none" strike="noStrike">
+                        <a:rPr lang="fr-CH" sz="1600" b="0" i="0" u="none" strike="noStrike" dirty="0">
                           <a:solidFill>
                             <a:srgbClr val="000000"/>
                           </a:solidFill>
@@ -15590,7 +15585,7 @@
                     <a:p>
                       <a:pPr algn="l" fontAlgn="b"/>
                       <a:r>
-                        <a:rPr lang="fr-CH" sz="1100" b="0" i="0" u="none" strike="noStrike">
+                        <a:rPr lang="fr-CH" sz="1600" b="0" i="0" u="none" strike="noStrike" dirty="0">
                           <a:solidFill>
                             <a:srgbClr val="000000"/>
                           </a:solidFill>
@@ -15650,7 +15645,7 @@
                     <a:p>
                       <a:pPr algn="l" fontAlgn="b"/>
                       <a:r>
-                        <a:rPr lang="fr-CH" sz="1100" b="0" i="0" u="none" strike="noStrike">
+                        <a:rPr lang="fr-CH" sz="1600" b="0" i="0" u="none" strike="noStrike">
                           <a:solidFill>
                             <a:srgbClr val="000000"/>
                           </a:solidFill>
@@ -15710,7 +15705,7 @@
                     <a:p>
                       <a:pPr algn="l" fontAlgn="b"/>
                       <a:r>
-                        <a:rPr lang="fr-CH" sz="1100" b="0" i="0" u="none" strike="noStrike">
+                        <a:rPr lang="fr-CH" sz="1600" b="0" i="0" u="none" strike="noStrike">
                           <a:solidFill>
                             <a:srgbClr val="000000"/>
                           </a:solidFill>
@@ -15770,7 +15765,7 @@
                     <a:p>
                       <a:pPr algn="l" fontAlgn="b"/>
                       <a:r>
-                        <a:rPr lang="fr-CH" sz="1100" b="0" i="0" u="none" strike="noStrike">
+                        <a:rPr lang="fr-CH" sz="1600" b="0" i="0" u="none" strike="noStrike">
                           <a:solidFill>
                             <a:srgbClr val="000000"/>
                           </a:solidFill>
@@ -15830,7 +15825,7 @@
                     <a:p>
                       <a:pPr algn="l" fontAlgn="b"/>
                       <a:r>
-                        <a:rPr lang="fr-CH" sz="1100" b="0" i="0" u="none" strike="noStrike">
+                        <a:rPr lang="fr-CH" sz="1600" b="0" i="0" u="none" strike="noStrike">
                           <a:solidFill>
                             <a:srgbClr val="000000"/>
                           </a:solidFill>
@@ -15892,7 +15887,7 @@
                     <a:p>
                       <a:pPr algn="l" fontAlgn="b"/>
                       <a:r>
-                        <a:rPr lang="fr-CH" sz="1100" b="0" i="0" u="none" strike="noStrike">
+                        <a:rPr lang="fr-CH" sz="1600" b="0" i="0" u="none" strike="noStrike" dirty="0">
                           <a:solidFill>
                             <a:srgbClr val="000000"/>
                           </a:solidFill>
@@ -15949,7 +15944,7 @@
                     <a:p>
                       <a:pPr algn="l" fontAlgn="b"/>
                       <a:r>
-                        <a:rPr lang="fr-CH" sz="1100" b="0" i="0" u="none" strike="noStrike">
+                        <a:rPr lang="fr-CH" sz="1600" b="0" i="0" u="none" strike="noStrike" dirty="0">
                           <a:solidFill>
                             <a:srgbClr val="000000"/>
                           </a:solidFill>
@@ -16006,7 +16001,7 @@
                     <a:p>
                       <a:pPr algn="l" fontAlgn="b"/>
                       <a:r>
-                        <a:rPr lang="fr-CH" sz="1100" b="0" i="0" u="none" strike="noStrike">
+                        <a:rPr lang="fr-CH" sz="1600" b="0" i="0" u="none" strike="noStrike" dirty="0">
                           <a:solidFill>
                             <a:srgbClr val="000000"/>
                           </a:solidFill>
@@ -16063,7 +16058,7 @@
                     <a:p>
                       <a:pPr algn="l" fontAlgn="b"/>
                       <a:r>
-                        <a:rPr lang="fr-CH" sz="1100" b="0" i="0" u="none" strike="noStrike">
+                        <a:rPr lang="fr-CH" sz="1600" b="0" i="0" u="none" strike="noStrike">
                           <a:solidFill>
                             <a:srgbClr val="000000"/>
                           </a:solidFill>
@@ -16120,7 +16115,7 @@
                     <a:p>
                       <a:pPr algn="l" fontAlgn="b"/>
                       <a:r>
-                        <a:rPr lang="fr-CH" sz="1100" b="0" i="0" u="none" strike="noStrike">
+                        <a:rPr lang="fr-CH" sz="1600" b="0" i="0" u="none" strike="noStrike">
                           <a:solidFill>
                             <a:srgbClr val="000000"/>
                           </a:solidFill>
@@ -16177,7 +16172,7 @@
                     <a:p>
                       <a:pPr algn="l" fontAlgn="b"/>
                       <a:r>
-                        <a:rPr lang="fr-CH" sz="1100" b="0" i="0" u="none" strike="noStrike">
+                        <a:rPr lang="fr-CH" sz="1600" b="0" i="0" u="none" strike="noStrike">
                           <a:solidFill>
                             <a:srgbClr val="000000"/>
                           </a:solidFill>
@@ -16236,7 +16231,7 @@
                     <a:p>
                       <a:pPr algn="l" fontAlgn="b"/>
                       <a:r>
-                        <a:rPr lang="fr-CH" sz="1100" b="0" i="0" u="none" strike="noStrike">
+                        <a:rPr lang="fr-CH" sz="1600" b="0" i="0" u="none" strike="noStrike" dirty="0">
                           <a:solidFill>
                             <a:srgbClr val="000000"/>
                           </a:solidFill>
@@ -16296,7 +16291,7 @@
                     <a:p>
                       <a:pPr algn="l" fontAlgn="b"/>
                       <a:r>
-                        <a:rPr lang="fr-CH" sz="1100" b="0" i="0" u="none" strike="noStrike">
+                        <a:rPr lang="fr-CH" sz="1600" b="0" i="0" u="none" strike="noStrike" dirty="0">
                           <a:solidFill>
                             <a:srgbClr val="000000"/>
                           </a:solidFill>
@@ -16356,7 +16351,7 @@
                     <a:p>
                       <a:pPr algn="l" fontAlgn="b"/>
                       <a:r>
-                        <a:rPr lang="fr-CH" sz="1100" b="0" i="0" u="none" strike="noStrike">
+                        <a:rPr lang="fr-CH" sz="1600" b="0" i="0" u="none" strike="noStrike" dirty="0">
                           <a:solidFill>
                             <a:srgbClr val="000000"/>
                           </a:solidFill>
@@ -16416,7 +16411,7 @@
                     <a:p>
                       <a:pPr algn="l" fontAlgn="b"/>
                       <a:r>
-                        <a:rPr lang="fr-CH" sz="1100" b="0" i="0" u="none" strike="noStrike">
+                        <a:rPr lang="fr-CH" sz="1600" b="0" i="0" u="none" strike="noStrike">
                           <a:solidFill>
                             <a:srgbClr val="000000"/>
                           </a:solidFill>
@@ -16476,7 +16471,7 @@
                     <a:p>
                       <a:pPr algn="l" fontAlgn="b"/>
                       <a:r>
-                        <a:rPr lang="fr-CH" sz="1100" b="0" i="0" u="none" strike="noStrike">
+                        <a:rPr lang="fr-CH" sz="1600" b="0" i="0" u="none" strike="noStrike">
                           <a:solidFill>
                             <a:srgbClr val="000000"/>
                           </a:solidFill>
@@ -16536,7 +16531,7 @@
                     <a:p>
                       <a:pPr algn="l" fontAlgn="b"/>
                       <a:r>
-                        <a:rPr lang="fr-CH" sz="1100" b="0" i="0" u="none" strike="noStrike">
+                        <a:rPr lang="fr-CH" sz="1600" b="0" i="0" u="none" strike="noStrike">
                           <a:solidFill>
                             <a:srgbClr val="000000"/>
                           </a:solidFill>
@@ -16598,7 +16593,7 @@
                     <a:p>
                       <a:pPr algn="l" fontAlgn="b"/>
                       <a:r>
-                        <a:rPr lang="fr-CH" sz="1100" b="0" i="0" u="none" strike="noStrike">
+                        <a:rPr lang="fr-CH" sz="1600" b="0" i="0" u="none" strike="noStrike">
                           <a:solidFill>
                             <a:srgbClr val="000000"/>
                           </a:solidFill>
@@ -16655,7 +16650,7 @@
                     <a:p>
                       <a:pPr algn="l" fontAlgn="b"/>
                       <a:r>
-                        <a:rPr lang="fr-CH" sz="1100" b="0" i="0" u="none" strike="noStrike">
+                        <a:rPr lang="fr-CH" sz="1600" b="0" i="0" u="none" strike="noStrike" dirty="0">
                           <a:solidFill>
                             <a:srgbClr val="000000"/>
                           </a:solidFill>
@@ -16712,7 +16707,7 @@
                     <a:p>
                       <a:pPr algn="l" fontAlgn="b"/>
                       <a:r>
-                        <a:rPr lang="fr-CH" sz="1100" b="0" i="0" u="none" strike="noStrike">
+                        <a:rPr lang="fr-CH" sz="1600" b="0" i="0" u="none" strike="noStrike" dirty="0">
                           <a:solidFill>
                             <a:srgbClr val="000000"/>
                           </a:solidFill>
@@ -16769,7 +16764,7 @@
                     <a:p>
                       <a:pPr algn="l" fontAlgn="b"/>
                       <a:r>
-                        <a:rPr lang="fr-CH" sz="1100" b="0" i="0" u="none" strike="noStrike">
+                        <a:rPr lang="fr-CH" sz="1600" b="0" i="0" u="none" strike="noStrike" dirty="0">
                           <a:solidFill>
                             <a:srgbClr val="000000"/>
                           </a:solidFill>
@@ -16826,7 +16821,7 @@
                     <a:p>
                       <a:pPr algn="l" fontAlgn="b"/>
                       <a:r>
-                        <a:rPr lang="fr-CH" sz="1100" b="0" i="0" u="none" strike="noStrike">
+                        <a:rPr lang="fr-CH" sz="1600" b="0" i="0" u="none" strike="noStrike">
                           <a:solidFill>
                             <a:srgbClr val="000000"/>
                           </a:solidFill>
@@ -16883,7 +16878,7 @@
                     <a:p>
                       <a:pPr algn="l" fontAlgn="b"/>
                       <a:r>
-                        <a:rPr lang="fr-CH" sz="1100" b="0" i="0" u="none" strike="noStrike">
+                        <a:rPr lang="fr-CH" sz="1600" b="0" i="0" u="none" strike="noStrike">
                           <a:solidFill>
                             <a:srgbClr val="000000"/>
                           </a:solidFill>
@@ -16942,7 +16937,7 @@
                     <a:p>
                       <a:pPr algn="l" fontAlgn="b"/>
                       <a:r>
-                        <a:rPr lang="fr-CH" sz="1100" b="0" i="0" u="none" strike="noStrike">
+                        <a:rPr lang="fr-CH" sz="1600" b="0" i="0" u="none" strike="noStrike">
                           <a:solidFill>
                             <a:srgbClr val="000000"/>
                           </a:solidFill>
@@ -17002,7 +16997,7 @@
                     <a:p>
                       <a:pPr algn="l" fontAlgn="b"/>
                       <a:r>
-                        <a:rPr lang="fr-CH" sz="1100" b="0" i="0" u="none" strike="noStrike">
+                        <a:rPr lang="fr-CH" sz="1600" b="0" i="0" u="none" strike="noStrike" dirty="0">
                           <a:solidFill>
                             <a:srgbClr val="000000"/>
                           </a:solidFill>
@@ -17062,7 +17057,7 @@
                     <a:p>
                       <a:pPr algn="l" fontAlgn="b"/>
                       <a:r>
-                        <a:rPr lang="fr-CH" sz="1100" b="0" i="0" u="none" strike="noStrike">
+                        <a:rPr lang="fr-CH" sz="1600" b="0" i="0" u="none" strike="noStrike">
                           <a:solidFill>
                             <a:srgbClr val="000000"/>
                           </a:solidFill>
@@ -17122,7 +17117,7 @@
                     <a:p>
                       <a:pPr algn="l" fontAlgn="b"/>
                       <a:r>
-                        <a:rPr lang="fr-CH" sz="1100" b="0" i="0" u="none" strike="noStrike">
+                        <a:rPr lang="fr-CH" sz="1600" b="0" i="0" u="none" strike="noStrike" dirty="0">
                           <a:solidFill>
                             <a:srgbClr val="000000"/>
                           </a:solidFill>
@@ -17182,7 +17177,7 @@
                     <a:p>
                       <a:pPr algn="l" fontAlgn="b"/>
                       <a:r>
-                        <a:rPr lang="fr-CH" sz="1100" b="0" i="0" u="none" strike="noStrike">
+                        <a:rPr lang="fr-CH" sz="1600" b="0" i="0" u="none" strike="noStrike">
                           <a:solidFill>
                             <a:srgbClr val="000000"/>
                           </a:solidFill>
@@ -17242,7 +17237,7 @@
                     <a:p>
                       <a:pPr algn="l" fontAlgn="b"/>
                       <a:r>
-                        <a:rPr lang="fr-CH" sz="1100" b="0" i="0" u="none" strike="noStrike">
+                        <a:rPr lang="fr-CH" sz="1600" b="0" i="0" u="none" strike="noStrike">
                           <a:solidFill>
                             <a:srgbClr val="000000"/>
                           </a:solidFill>
@@ -17304,7 +17299,7 @@
                     <a:p>
                       <a:pPr algn="l" fontAlgn="b"/>
                       <a:r>
-                        <a:rPr lang="fr-CH" sz="1100" b="0" i="0" u="none" strike="noStrike">
+                        <a:rPr lang="fr-CH" sz="1600" b="0" i="0" u="none" strike="noStrike">
                           <a:solidFill>
                             <a:srgbClr val="000000"/>
                           </a:solidFill>
@@ -17361,7 +17356,7 @@
                     <a:p>
                       <a:pPr algn="l" fontAlgn="b"/>
                       <a:r>
-                        <a:rPr lang="fr-CH" sz="1100" b="0" i="0" u="none" strike="noStrike">
+                        <a:rPr lang="fr-CH" sz="1600" b="0" i="0" u="none" strike="noStrike">
                           <a:solidFill>
                             <a:srgbClr val="000000"/>
                           </a:solidFill>
@@ -17418,7 +17413,7 @@
                     <a:p>
                       <a:pPr algn="l" fontAlgn="b"/>
                       <a:r>
-                        <a:rPr lang="fr-CH" sz="1100" b="0" i="0" u="none" strike="noStrike">
+                        <a:rPr lang="fr-CH" sz="1600" b="0" i="0" u="none" strike="noStrike">
                           <a:solidFill>
                             <a:srgbClr val="000000"/>
                           </a:solidFill>
@@ -17475,7 +17470,7 @@
                     <a:p>
                       <a:pPr algn="l" fontAlgn="b"/>
                       <a:r>
-                        <a:rPr lang="fr-CH" sz="1100" b="0" i="0" u="none" strike="noStrike">
+                        <a:rPr lang="fr-CH" sz="1600" b="0" i="0" u="none" strike="noStrike" dirty="0">
                           <a:solidFill>
                             <a:srgbClr val="000000"/>
                           </a:solidFill>
@@ -17532,7 +17527,7 @@
                     <a:p>
                       <a:pPr algn="l" fontAlgn="b"/>
                       <a:r>
-                        <a:rPr lang="fr-CH" sz="1100" b="0" i="0" u="none" strike="noStrike">
+                        <a:rPr lang="fr-CH" sz="1600" b="0" i="0" u="none" strike="noStrike" dirty="0">
                           <a:solidFill>
                             <a:srgbClr val="000000"/>
                           </a:solidFill>
@@ -17589,7 +17584,7 @@
                     <a:p>
                       <a:pPr algn="l" fontAlgn="b"/>
                       <a:r>
-                        <a:rPr lang="fr-CH" sz="1100" b="0" i="0" u="none" strike="noStrike">
+                        <a:rPr lang="fr-CH" sz="1600" b="0" i="0" u="none" strike="noStrike">
                           <a:solidFill>
                             <a:srgbClr val="000000"/>
                           </a:solidFill>
@@ -17648,7 +17643,7 @@
                     <a:p>
                       <a:pPr algn="l" fontAlgn="b"/>
                       <a:r>
-                        <a:rPr lang="fr-CH" sz="1100" b="0" i="0" u="none" strike="noStrike">
+                        <a:rPr lang="fr-CH" sz="1600" b="0" i="0" u="none" strike="noStrike">
                           <a:solidFill>
                             <a:srgbClr val="000000"/>
                           </a:solidFill>
@@ -17708,7 +17703,7 @@
                     <a:p>
                       <a:pPr algn="l" fontAlgn="b"/>
                       <a:r>
-                        <a:rPr lang="fr-CH" sz="1100" b="0" i="0" u="none" strike="noStrike">
+                        <a:rPr lang="fr-CH" sz="1600" b="0" i="0" u="none" strike="noStrike" dirty="0">
                           <a:solidFill>
                             <a:srgbClr val="000000"/>
                           </a:solidFill>
@@ -17768,7 +17763,7 @@
                     <a:p>
                       <a:pPr algn="l" fontAlgn="b"/>
                       <a:r>
-                        <a:rPr lang="fr-CH" sz="1100" b="0" i="0" u="none" strike="noStrike">
+                        <a:rPr lang="fr-CH" sz="1600" b="0" i="0" u="none" strike="noStrike">
                           <a:solidFill>
                             <a:srgbClr val="000000"/>
                           </a:solidFill>
@@ -17828,7 +17823,7 @@
                     <a:p>
                       <a:pPr algn="l" fontAlgn="b"/>
                       <a:r>
-                        <a:rPr lang="fr-CH" sz="1100" b="0" i="0" u="none" strike="noStrike">
+                        <a:rPr lang="fr-CH" sz="1600" b="0" i="0" u="none" strike="noStrike">
                           <a:solidFill>
                             <a:srgbClr val="000000"/>
                           </a:solidFill>
@@ -17888,7 +17883,7 @@
                     <a:p>
                       <a:pPr algn="l" fontAlgn="b"/>
                       <a:r>
-                        <a:rPr lang="fr-CH" sz="1100" b="0" i="0" u="none" strike="noStrike">
+                        <a:rPr lang="fr-CH" sz="1600" b="0" i="0" u="none" strike="noStrike" dirty="0">
                           <a:solidFill>
                             <a:srgbClr val="000000"/>
                           </a:solidFill>
@@ -17948,7 +17943,7 @@
                     <a:p>
                       <a:pPr algn="l" fontAlgn="b"/>
                       <a:r>
-                        <a:rPr lang="fr-CH" sz="1100" b="0" i="0" u="none" strike="noStrike">
+                        <a:rPr lang="fr-CH" sz="1600" b="0" i="0" u="none" strike="noStrike">
                           <a:solidFill>
                             <a:srgbClr val="000000"/>
                           </a:solidFill>
@@ -18010,7 +18005,7 @@
                     <a:p>
                       <a:pPr algn="l" fontAlgn="b"/>
                       <a:r>
-                        <a:rPr lang="fr-CH" sz="1100" b="0" i="0" u="none" strike="noStrike">
+                        <a:rPr lang="fr-CH" sz="1600" b="0" i="0" u="none" strike="noStrike">
                           <a:solidFill>
                             <a:srgbClr val="000000"/>
                           </a:solidFill>
@@ -18067,7 +18062,7 @@
                     <a:p>
                       <a:pPr algn="l" fontAlgn="b"/>
                       <a:r>
-                        <a:rPr lang="fr-CH" sz="1100" b="0" i="0" u="none" strike="noStrike">
+                        <a:rPr lang="fr-CH" sz="1600" b="0" i="0" u="none" strike="noStrike">
                           <a:solidFill>
                             <a:srgbClr val="000000"/>
                           </a:solidFill>
@@ -18124,7 +18119,7 @@
                     <a:p>
                       <a:pPr algn="l" fontAlgn="b"/>
                       <a:r>
-                        <a:rPr lang="fr-CH" sz="1100" b="0" i="0" u="none" strike="noStrike">
+                        <a:rPr lang="fr-CH" sz="1600" b="0" i="0" u="none" strike="noStrike">
                           <a:solidFill>
                             <a:srgbClr val="000000"/>
                           </a:solidFill>
@@ -18181,7 +18176,7 @@
                     <a:p>
                       <a:pPr algn="l" fontAlgn="b"/>
                       <a:r>
-                        <a:rPr lang="fr-CH" sz="1100" b="0" i="0" u="none" strike="noStrike">
+                        <a:rPr lang="fr-CH" sz="1600" b="0" i="0" u="none" strike="noStrike">
                           <a:solidFill>
                             <a:srgbClr val="000000"/>
                           </a:solidFill>
@@ -18238,7 +18233,7 @@
                     <a:p>
                       <a:pPr algn="l" fontAlgn="b"/>
                       <a:r>
-                        <a:rPr lang="fr-CH" sz="1100" b="0" i="0" u="none" strike="noStrike">
+                        <a:rPr lang="fr-CH" sz="1600" b="0" i="0" u="none" strike="noStrike" dirty="0">
                           <a:solidFill>
                             <a:srgbClr val="000000"/>
                           </a:solidFill>
@@ -18295,7 +18290,7 @@
                     <a:p>
                       <a:pPr algn="l" fontAlgn="b"/>
                       <a:r>
-                        <a:rPr lang="fr-CH" sz="1100" b="0" i="0" u="none" strike="noStrike">
+                        <a:rPr lang="fr-CH" sz="1600" b="0" i="0" u="none" strike="noStrike">
                           <a:solidFill>
                             <a:srgbClr val="000000"/>
                           </a:solidFill>
@@ -18354,7 +18349,7 @@
                     <a:p>
                       <a:pPr algn="l" fontAlgn="b"/>
                       <a:r>
-                        <a:rPr lang="fr-CH" sz="1100" b="0" i="0" u="none" strike="noStrike">
+                        <a:rPr lang="fr-CH" sz="1600" b="0" i="0" u="none" strike="noStrike">
                           <a:solidFill>
                             <a:srgbClr val="000000"/>
                           </a:solidFill>
@@ -18414,7 +18409,7 @@
                     <a:p>
                       <a:pPr algn="l" fontAlgn="b"/>
                       <a:r>
-                        <a:rPr lang="fr-CH" sz="1100" b="0" i="0" u="none" strike="noStrike">
+                        <a:rPr lang="fr-CH" sz="1600" b="0" i="0" u="none" strike="noStrike">
                           <a:solidFill>
                             <a:srgbClr val="000000"/>
                           </a:solidFill>
@@ -18474,7 +18469,7 @@
                     <a:p>
                       <a:pPr algn="l" fontAlgn="b"/>
                       <a:r>
-                        <a:rPr lang="fr-CH" sz="1100" b="0" i="0" u="none" strike="noStrike">
+                        <a:rPr lang="fr-CH" sz="1600" b="0" i="0" u="none" strike="noStrike">
                           <a:solidFill>
                             <a:srgbClr val="000000"/>
                           </a:solidFill>
@@ -18534,7 +18529,7 @@
                     <a:p>
                       <a:pPr algn="l" fontAlgn="b"/>
                       <a:r>
-                        <a:rPr lang="fr-CH" sz="1100" b="0" i="0" u="none" strike="noStrike">
+                        <a:rPr lang="fr-CH" sz="1600" b="0" i="0" u="none" strike="noStrike">
                           <a:solidFill>
                             <a:srgbClr val="000000"/>
                           </a:solidFill>
@@ -18594,7 +18589,7 @@
                     <a:p>
                       <a:pPr algn="l" fontAlgn="b"/>
                       <a:r>
-                        <a:rPr lang="fr-CH" sz="1100" b="0" i="0" u="none" strike="noStrike">
+                        <a:rPr lang="fr-CH" sz="1600" b="0" i="0" u="none" strike="noStrike" dirty="0">
                           <a:solidFill>
                             <a:srgbClr val="000000"/>
                           </a:solidFill>
@@ -18654,7 +18649,7 @@
                     <a:p>
                       <a:pPr algn="l" fontAlgn="b"/>
                       <a:r>
-                        <a:rPr lang="fr-CH" sz="1100" b="0" i="0" u="none" strike="noStrike">
+                        <a:rPr lang="fr-CH" sz="1600" b="0" i="0" u="none" strike="noStrike" dirty="0">
                           <a:solidFill>
                             <a:srgbClr val="000000"/>
                           </a:solidFill>
@@ -18716,7 +18711,7 @@
                     <a:p>
                       <a:pPr algn="l" fontAlgn="b"/>
                       <a:r>
-                        <a:rPr lang="fr-CH" sz="1100" b="0" i="0" u="none" strike="noStrike">
+                        <a:rPr lang="fr-CH" sz="1600" b="0" i="0" u="none" strike="noStrike">
                           <a:solidFill>
                             <a:srgbClr val="000000"/>
                           </a:solidFill>
@@ -18773,7 +18768,7 @@
                     <a:p>
                       <a:pPr algn="l" fontAlgn="b"/>
                       <a:r>
-                        <a:rPr lang="fr-CH" sz="1100" b="0" i="0" u="none" strike="noStrike">
+                        <a:rPr lang="fr-CH" sz="1600" b="0" i="0" u="none" strike="noStrike">
                           <a:solidFill>
                             <a:srgbClr val="000000"/>
                           </a:solidFill>
@@ -18830,7 +18825,7 @@
                     <a:p>
                       <a:pPr algn="l" fontAlgn="b"/>
                       <a:r>
-                        <a:rPr lang="fr-CH" sz="1100" b="0" i="0" u="none" strike="noStrike">
+                        <a:rPr lang="fr-CH" sz="1600" b="0" i="0" u="none" strike="noStrike">
                           <a:solidFill>
                             <a:srgbClr val="000000"/>
                           </a:solidFill>
@@ -18887,7 +18882,7 @@
                     <a:p>
                       <a:pPr algn="l" fontAlgn="b"/>
                       <a:r>
-                        <a:rPr lang="fr-CH" sz="1100" b="0" i="0" u="none" strike="noStrike">
+                        <a:rPr lang="fr-CH" sz="1600" b="0" i="0" u="none" strike="noStrike">
                           <a:solidFill>
                             <a:srgbClr val="000000"/>
                           </a:solidFill>
@@ -18944,7 +18939,7 @@
                     <a:p>
                       <a:pPr algn="l" fontAlgn="b"/>
                       <a:r>
-                        <a:rPr lang="fr-CH" sz="1100" b="0" i="0" u="none" strike="noStrike">
+                        <a:rPr lang="fr-CH" sz="1600" b="0" i="0" u="none" strike="noStrike">
                           <a:solidFill>
                             <a:srgbClr val="000000"/>
                           </a:solidFill>
@@ -19001,7 +18996,7 @@
                     <a:p>
                       <a:pPr algn="l" fontAlgn="b"/>
                       <a:r>
-                        <a:rPr lang="fr-CH" sz="1100" b="0" i="0" u="none" strike="noStrike">
+                        <a:rPr lang="fr-CH" sz="1600" b="0" i="0" u="none" strike="noStrike" dirty="0">
                           <a:solidFill>
                             <a:srgbClr val="000000"/>
                           </a:solidFill>
@@ -19060,7 +19055,7 @@
                     <a:p>
                       <a:pPr algn="l" fontAlgn="b"/>
                       <a:r>
-                        <a:rPr lang="fr-CH" sz="1100" b="1" i="0" u="none" strike="noStrike">
+                        <a:rPr lang="fr-CH" sz="1600" b="1" i="0" u="none" strike="noStrike">
                           <a:solidFill>
                             <a:srgbClr val="000000"/>
                           </a:solidFill>
@@ -19117,7 +19112,7 @@
                     <a:p>
                       <a:pPr algn="l" fontAlgn="b"/>
                       <a:r>
-                        <a:rPr lang="fr-CH" sz="1100" b="1" i="0" u="none" strike="noStrike">
+                        <a:rPr lang="fr-CH" sz="1600" b="1" i="0" u="none" strike="noStrike">
                           <a:solidFill>
                             <a:srgbClr val="000000"/>
                           </a:solidFill>
@@ -19174,7 +19169,7 @@
                     <a:p>
                       <a:pPr algn="l" fontAlgn="b"/>
                       <a:r>
-                        <a:rPr lang="fr-CH" sz="1100" b="1" i="0" u="none" strike="noStrike">
+                        <a:rPr lang="fr-CH" sz="1600" b="1" i="0" u="none" strike="noStrike">
                           <a:solidFill>
                             <a:srgbClr val="000000"/>
                           </a:solidFill>
@@ -19231,7 +19226,7 @@
                     <a:p>
                       <a:pPr algn="l" fontAlgn="b"/>
                       <a:r>
-                        <a:rPr lang="fr-CH" sz="1100" b="1" i="0" u="none" strike="noStrike">
+                        <a:rPr lang="fr-CH" sz="1600" b="1" i="0" u="none" strike="noStrike">
                           <a:solidFill>
                             <a:srgbClr val="000000"/>
                           </a:solidFill>
@@ -19288,7 +19283,7 @@
                     <a:p>
                       <a:pPr algn="l" fontAlgn="b"/>
                       <a:r>
-                        <a:rPr lang="fr-CH" sz="1100" b="1" i="0" u="none" strike="noStrike">
+                        <a:rPr lang="fr-CH" sz="1600" b="1" i="0" u="none" strike="noStrike">
                           <a:solidFill>
                             <a:srgbClr val="000000"/>
                           </a:solidFill>
@@ -19345,7 +19340,7 @@
                     <a:p>
                       <a:pPr algn="l" fontAlgn="b"/>
                       <a:r>
-                        <a:rPr lang="fr-CH" sz="1100" b="1" i="0" u="none" strike="noStrike" dirty="0">
+                        <a:rPr lang="fr-CH" sz="1600" b="1" i="0" u="none" strike="noStrike" dirty="0">
                           <a:solidFill>
                             <a:srgbClr val="000000"/>
                           </a:solidFill>
@@ -19465,7 +19460,7 @@
             <p:ph idx="1"/>
             <p:extLst>
               <p:ext uri="{D42A27DB-BD31-4B8C-83A1-F6EECF244321}">
-                <p14:modId xmlns:p14="http://schemas.microsoft.com/office/powerpoint/2010/main" val="2378278053"/>
+                <p14:modId xmlns:p14="http://schemas.microsoft.com/office/powerpoint/2010/main" val="799101140"/>
               </p:ext>
             </p:extLst>
           </p:nvPr>
@@ -19494,7 +19489,7 @@
                     <a:p>
                       <a:pPr algn="l" fontAlgn="b"/>
                       <a:r>
-                        <a:rPr lang="fr-CH" sz="1400" b="1" i="0" u="none" strike="noStrike" dirty="0">
+                        <a:rPr lang="fr-CH" sz="1600" b="1" i="0" u="none" strike="noStrike" dirty="0">
                           <a:solidFill>
                             <a:srgbClr val="000000"/>
                           </a:solidFill>
@@ -19550,13 +19545,13 @@
                   </a:txBody>
                   <a:tcPr/>
                 </a:tc>
-                <a:tc>
+                <a:tc gridSpan="2">
                   <a:txBody>
                     <a:bodyPr/>
                     <a:lstStyle/>
                     <a:p>
                       <a:pPr algn="l" fontAlgn="b"/>
-                      <a:endParaRPr lang="fr-CH" sz="1100" b="0" i="0" u="none" strike="noStrike">
+                      <a:endParaRPr lang="fr-CH" sz="1600" b="0" i="0" u="none" strike="noStrike" dirty="0">
                         <a:solidFill>
                           <a:srgbClr val="000000"/>
                         </a:solidFill>
@@ -19580,13 +19575,13 @@
                     </a:lnB>
                   </a:tcPr>
                 </a:tc>
-                <a:tc>
+                <a:tc hMerge="1">
                   <a:txBody>
                     <a:bodyPr/>
                     <a:lstStyle/>
                     <a:p>
                       <a:pPr algn="l" fontAlgn="b"/>
-                      <a:endParaRPr lang="fr-CH" sz="1100" b="0" i="0" u="none" strike="noStrike">
+                      <a:endParaRPr lang="fr-CH" sz="1600" b="0" i="0" u="none" strike="noStrike" dirty="0">
                         <a:solidFill>
                           <a:srgbClr val="000000"/>
                         </a:solidFill>
@@ -19619,7 +19614,7 @@
                     <a:p>
                       <a:pPr algn="l" fontAlgn="b"/>
                       <a:r>
-                        <a:rPr lang="fr-CH" sz="1400" b="1" i="0" u="none" strike="noStrike">
+                        <a:rPr lang="fr-CH" sz="1600" b="1" i="0" u="none" strike="noStrike">
                           <a:solidFill>
                             <a:srgbClr val="000000"/>
                           </a:solidFill>
@@ -19697,14 +19692,14 @@
                 </a:tc>
               </a:tr>
               <a:tr h="276954">
-                <a:tc gridSpan="2">
+                <a:tc gridSpan="4">
                   <a:txBody>
                     <a:bodyPr/>
                     <a:lstStyle/>
                     <a:p>
                       <a:pPr algn="l" fontAlgn="b"/>
                       <a:r>
-                        <a:rPr lang="fr-CH" sz="1400" b="1" i="0" u="none" strike="noStrike" dirty="0">
+                        <a:rPr lang="fr-CH" sz="1600" b="1" i="0" u="none" strike="noStrike" dirty="0">
                           <a:solidFill>
                             <a:srgbClr val="000000"/>
                           </a:solidFill>
@@ -19740,13 +19735,43 @@
                   </a:txBody>
                   <a:tcPr/>
                 </a:tc>
-                <a:tc>
+                <a:tc hMerge="1">
                   <a:txBody>
                     <a:bodyPr/>
                     <a:lstStyle/>
                     <a:p>
                       <a:pPr algn="l" fontAlgn="b"/>
-                      <a:endParaRPr lang="fr-CH" sz="1100" b="0" i="0" u="none" strike="noStrike">
+                      <a:endParaRPr lang="fr-CH" sz="1600" b="0" i="0" u="none" strike="noStrike" dirty="0">
+                        <a:solidFill>
+                          <a:srgbClr val="000000"/>
+                        </a:solidFill>
+                        <a:effectLst/>
+                        <a:latin typeface="Calibri" panose="020F0502020204030204" pitchFamily="34" charset="0"/>
+                      </a:endParaRPr>
+                    </a:p>
+                  </a:txBody>
+                  <a:tcPr marL="0" marR="0" marT="0" marB="0" anchor="b">
+                    <a:lnL>
+                      <a:noFill/>
+                    </a:lnL>
+                    <a:lnR>
+                      <a:noFill/>
+                    </a:lnR>
+                    <a:lnT>
+                      <a:noFill/>
+                    </a:lnT>
+                    <a:lnB>
+                      <a:noFill/>
+                    </a:lnB>
+                  </a:tcPr>
+                </a:tc>
+                <a:tc hMerge="1">
+                  <a:txBody>
+                    <a:bodyPr/>
+                    <a:lstStyle/>
+                    <a:p>
+                      <a:pPr algn="l" fontAlgn="b"/>
+                      <a:endParaRPr lang="fr-CH" sz="1600" b="0" i="0" u="none" strike="noStrike" dirty="0">
                         <a:solidFill>
                           <a:srgbClr val="000000"/>
                         </a:solidFill>
@@ -19776,7 +19801,7 @@
                     <a:lstStyle/>
                     <a:p>
                       <a:pPr algn="l" fontAlgn="b"/>
-                      <a:endParaRPr lang="fr-CH" sz="1100" b="0" i="0" u="none" strike="noStrike">
+                      <a:endParaRPr lang="fr-CH" sz="1600" b="0" i="0" u="none" strike="noStrike" dirty="0">
                         <a:solidFill>
                           <a:srgbClr val="000000"/>
                         </a:solidFill>
@@ -19806,37 +19831,7 @@
                     <a:lstStyle/>
                     <a:p>
                       <a:pPr algn="l" fontAlgn="b"/>
-                      <a:endParaRPr lang="fr-CH" sz="1100" b="0" i="0" u="none" strike="noStrike">
-                        <a:solidFill>
-                          <a:srgbClr val="000000"/>
-                        </a:solidFill>
-                        <a:effectLst/>
-                        <a:latin typeface="Calibri" panose="020F0502020204030204" pitchFamily="34" charset="0"/>
-                      </a:endParaRPr>
-                    </a:p>
-                  </a:txBody>
-                  <a:tcPr marL="0" marR="0" marT="0" marB="0" anchor="b">
-                    <a:lnL>
-                      <a:noFill/>
-                    </a:lnL>
-                    <a:lnR>
-                      <a:noFill/>
-                    </a:lnR>
-                    <a:lnT>
-                      <a:noFill/>
-                    </a:lnT>
-                    <a:lnB>
-                      <a:noFill/>
-                    </a:lnB>
-                  </a:tcPr>
-                </a:tc>
-                <a:tc>
-                  <a:txBody>
-                    <a:bodyPr/>
-                    <a:lstStyle/>
-                    <a:p>
-                      <a:pPr algn="l" fontAlgn="b"/>
-                      <a:endParaRPr lang="fr-CH" sz="1100" b="0" i="0" u="none" strike="noStrike">
+                      <a:endParaRPr lang="fr-CH" sz="1600" b="0" i="0" u="none" strike="noStrike">
                         <a:solidFill>
                           <a:srgbClr val="000000"/>
                         </a:solidFill>
@@ -19868,7 +19863,7 @@
                     <a:lstStyle/>
                     <a:p>
                       <a:pPr algn="l" fontAlgn="b"/>
-                      <a:endParaRPr lang="fr-CH" sz="1100" b="1" i="0" u="none" strike="noStrike">
+                      <a:endParaRPr lang="fr-CH" sz="1600" b="1" i="0" u="none" strike="noStrike">
                         <a:solidFill>
                           <a:srgbClr val="000000"/>
                         </a:solidFill>
@@ -19904,7 +19899,7 @@
                     <a:lstStyle/>
                     <a:p>
                       <a:pPr algn="l" fontAlgn="b"/>
-                      <a:endParaRPr lang="fr-CH" sz="1100" b="0" i="0" u="none" strike="noStrike">
+                      <a:endParaRPr lang="fr-CH" sz="1600" b="0" i="0" u="none" strike="noStrike">
                         <a:solidFill>
                           <a:srgbClr val="000000"/>
                         </a:solidFill>
@@ -19940,7 +19935,7 @@
                     <a:lstStyle/>
                     <a:p>
                       <a:pPr algn="l" fontAlgn="b"/>
-                      <a:endParaRPr lang="fr-CH" sz="1100" b="0" i="0" u="none" strike="noStrike">
+                      <a:endParaRPr lang="fr-CH" sz="1600" b="0" i="0" u="none" strike="noStrike">
                         <a:solidFill>
                           <a:srgbClr val="000000"/>
                         </a:solidFill>
@@ -19976,7 +19971,7 @@
                     <a:lstStyle/>
                     <a:p>
                       <a:pPr algn="l" fontAlgn="b"/>
-                      <a:endParaRPr lang="fr-CH" sz="1100" b="0" i="0" u="none" strike="noStrike">
+                      <a:endParaRPr lang="fr-CH" sz="1600" b="0" i="0" u="none" strike="noStrike">
                         <a:solidFill>
                           <a:srgbClr val="000000"/>
                         </a:solidFill>
@@ -20012,7 +20007,7 @@
                     <a:lstStyle/>
                     <a:p>
                       <a:pPr algn="l" fontAlgn="b"/>
-                      <a:endParaRPr lang="fr-CH" sz="1100" b="0" i="0" u="none" strike="noStrike">
+                      <a:endParaRPr lang="fr-CH" sz="1600" b="0" i="0" u="none" strike="noStrike">
                         <a:solidFill>
                           <a:srgbClr val="000000"/>
                         </a:solidFill>
@@ -20048,7 +20043,7 @@
                     <a:lstStyle/>
                     <a:p>
                       <a:pPr algn="l" fontAlgn="b"/>
-                      <a:endParaRPr lang="fr-CH" sz="1100" b="0" i="0" u="none" strike="noStrike">
+                      <a:endParaRPr lang="fr-CH" sz="1600" b="0" i="0" u="none" strike="noStrike">
                         <a:solidFill>
                           <a:srgbClr val="000000"/>
                         </a:solidFill>
@@ -20087,7 +20082,7 @@
                     <a:p>
                       <a:pPr algn="l" fontAlgn="b"/>
                       <a:r>
-                        <a:rPr lang="fr-CH" sz="1100" b="1" i="0" u="none" strike="noStrike">
+                        <a:rPr lang="fr-CH" sz="1600" b="1" i="0" u="none" strike="noStrike">
                           <a:solidFill>
                             <a:srgbClr val="000000"/>
                           </a:solidFill>
@@ -20144,7 +20139,7 @@
                     <a:p>
                       <a:pPr algn="l" fontAlgn="b"/>
                       <a:r>
-                        <a:rPr lang="fr-CH" sz="1100" b="1" i="0" u="none" strike="noStrike">
+                        <a:rPr lang="fr-CH" sz="1600" b="1" i="0" u="none" strike="noStrike">
                           <a:solidFill>
                             <a:srgbClr val="000000"/>
                           </a:solidFill>
@@ -20201,7 +20196,7 @@
                     <a:p>
                       <a:pPr algn="l" fontAlgn="b"/>
                       <a:r>
-                        <a:rPr lang="fr-CH" sz="1100" b="1" i="0" u="none" strike="noStrike">
+                        <a:rPr lang="fr-CH" sz="1600" b="1" i="0" u="none" strike="noStrike">
                           <a:solidFill>
                             <a:srgbClr val="000000"/>
                           </a:solidFill>
@@ -20258,7 +20253,7 @@
                     <a:p>
                       <a:pPr algn="l" fontAlgn="b"/>
                       <a:r>
-                        <a:rPr lang="fr-CH" sz="1100" b="1" i="0" u="none" strike="noStrike">
+                        <a:rPr lang="fr-CH" sz="1600" b="1" i="0" u="none" strike="noStrike">
                           <a:solidFill>
                             <a:srgbClr val="000000"/>
                           </a:solidFill>
@@ -20315,7 +20310,7 @@
                     <a:p>
                       <a:pPr algn="l" fontAlgn="b"/>
                       <a:r>
-                        <a:rPr lang="fr-CH" sz="1100" b="1" i="0" u="none" strike="noStrike">
+                        <a:rPr lang="fr-CH" sz="1600" b="1" i="0" u="none" strike="noStrike">
                           <a:solidFill>
                             <a:srgbClr val="000000"/>
                           </a:solidFill>
@@ -20372,7 +20367,7 @@
                     <a:p>
                       <a:pPr algn="l" fontAlgn="b"/>
                       <a:r>
-                        <a:rPr lang="fr-CH" sz="1100" b="1" i="0" u="none" strike="noStrike">
+                        <a:rPr lang="fr-CH" sz="1600" b="1" i="0" u="none" strike="noStrike">
                           <a:solidFill>
                             <a:srgbClr val="000000"/>
                           </a:solidFill>
@@ -20431,7 +20426,7 @@
                     <a:p>
                       <a:pPr algn="l" fontAlgn="b"/>
                       <a:r>
-                        <a:rPr lang="fr-CH" sz="1100" b="0" i="0" u="none" strike="noStrike">
+                        <a:rPr lang="fr-CH" sz="1600" b="0" i="0" u="none" strike="noStrike">
                           <a:solidFill>
                             <a:srgbClr val="000000"/>
                           </a:solidFill>
@@ -20491,7 +20486,7 @@
                     <a:p>
                       <a:pPr algn="l" fontAlgn="b"/>
                       <a:r>
-                        <a:rPr lang="fr-CH" sz="1100" b="0" i="0" u="none" strike="noStrike">
+                        <a:rPr lang="fr-CH" sz="1600" b="0" i="0" u="none" strike="noStrike">
                           <a:solidFill>
                             <a:srgbClr val="000000"/>
                           </a:solidFill>
@@ -20551,7 +20546,7 @@
                     <a:p>
                       <a:pPr algn="l" fontAlgn="b"/>
                       <a:r>
-                        <a:rPr lang="fr-CH" sz="1100" b="0" i="0" u="none" strike="noStrike">
+                        <a:rPr lang="fr-CH" sz="1600" b="0" i="0" u="none" strike="noStrike">
                           <a:solidFill>
                             <a:srgbClr val="000000"/>
                           </a:solidFill>
@@ -20611,7 +20606,7 @@
                     <a:p>
                       <a:pPr algn="l" fontAlgn="b"/>
                       <a:r>
-                        <a:rPr lang="fr-CH" sz="1100" b="0" i="0" u="none" strike="noStrike">
+                        <a:rPr lang="fr-CH" sz="1600" b="0" i="0" u="none" strike="noStrike">
                           <a:solidFill>
                             <a:srgbClr val="000000"/>
                           </a:solidFill>
@@ -20671,7 +20666,7 @@
                     <a:p>
                       <a:pPr algn="l" fontAlgn="b"/>
                       <a:r>
-                        <a:rPr lang="fr-CH" sz="1100" b="0" i="0" u="none" strike="noStrike">
+                        <a:rPr lang="fr-CH" sz="1600" b="0" i="0" u="none" strike="noStrike">
                           <a:solidFill>
                             <a:srgbClr val="000000"/>
                           </a:solidFill>
@@ -20731,7 +20726,7 @@
                     <a:p>
                       <a:pPr algn="l" fontAlgn="b"/>
                       <a:r>
-                        <a:rPr lang="fr-CH" sz="1100" b="0" i="0" u="none" strike="noStrike">
+                        <a:rPr lang="fr-CH" sz="1600" b="0" i="0" u="none" strike="noStrike">
                           <a:solidFill>
                             <a:srgbClr val="000000"/>
                           </a:solidFill>
@@ -20793,7 +20788,7 @@
                     <a:p>
                       <a:pPr algn="l" fontAlgn="b"/>
                       <a:r>
-                        <a:rPr lang="fr-CH" sz="1100" b="0" i="0" u="none" strike="noStrike">
+                        <a:rPr lang="fr-CH" sz="1600" b="0" i="0" u="none" strike="noStrike">
                           <a:solidFill>
                             <a:srgbClr val="000000"/>
                           </a:solidFill>
@@ -20850,7 +20845,7 @@
                     <a:p>
                       <a:pPr algn="l" fontAlgn="b"/>
                       <a:r>
-                        <a:rPr lang="fr-CH" sz="1100" b="0" i="0" u="none" strike="noStrike">
+                        <a:rPr lang="fr-CH" sz="1600" b="0" i="0" u="none" strike="noStrike">
                           <a:solidFill>
                             <a:srgbClr val="000000"/>
                           </a:solidFill>
@@ -20907,7 +20902,7 @@
                     <a:p>
                       <a:pPr algn="l" fontAlgn="b"/>
                       <a:r>
-                        <a:rPr lang="fr-CH" sz="1100" b="0" i="0" u="none" strike="noStrike">
+                        <a:rPr lang="fr-CH" sz="1600" b="0" i="0" u="none" strike="noStrike">
                           <a:solidFill>
                             <a:srgbClr val="000000"/>
                           </a:solidFill>
@@ -20964,7 +20959,7 @@
                     <a:p>
                       <a:pPr algn="l" fontAlgn="b"/>
                       <a:r>
-                        <a:rPr lang="fr-CH" sz="1100" b="0" i="0" u="none" strike="noStrike">
+                        <a:rPr lang="fr-CH" sz="1600" b="0" i="0" u="none" strike="noStrike">
                           <a:solidFill>
                             <a:srgbClr val="000000"/>
                           </a:solidFill>
@@ -21021,7 +21016,7 @@
                     <a:p>
                       <a:pPr algn="l" fontAlgn="b"/>
                       <a:r>
-                        <a:rPr lang="fr-CH" sz="1100" b="0" i="0" u="none" strike="noStrike">
+                        <a:rPr lang="fr-CH" sz="1600" b="0" i="0" u="none" strike="noStrike">
                           <a:solidFill>
                             <a:srgbClr val="000000"/>
                           </a:solidFill>
@@ -21078,7 +21073,7 @@
                     <a:p>
                       <a:pPr algn="l" fontAlgn="b"/>
                       <a:r>
-                        <a:rPr lang="fr-CH" sz="1100" b="0" i="0" u="none" strike="noStrike">
+                        <a:rPr lang="fr-CH" sz="1600" b="0" i="0" u="none" strike="noStrike">
                           <a:solidFill>
                             <a:srgbClr val="000000"/>
                           </a:solidFill>
@@ -21137,7 +21132,7 @@
                     <a:p>
                       <a:pPr algn="l" fontAlgn="b"/>
                       <a:r>
-                        <a:rPr lang="fr-CH" sz="1100" b="0" i="0" u="none" strike="noStrike">
+                        <a:rPr lang="fr-CH" sz="1600" b="0" i="0" u="none" strike="noStrike">
                           <a:solidFill>
                             <a:srgbClr val="000000"/>
                           </a:solidFill>
@@ -21197,7 +21192,7 @@
                     <a:p>
                       <a:pPr algn="l" fontAlgn="b"/>
                       <a:r>
-                        <a:rPr lang="fr-CH" sz="1100" b="0" i="0" u="none" strike="noStrike">
+                        <a:rPr lang="fr-CH" sz="1600" b="0" i="0" u="none" strike="noStrike">
                           <a:solidFill>
                             <a:srgbClr val="000000"/>
                           </a:solidFill>
@@ -21257,7 +21252,7 @@
                     <a:p>
                       <a:pPr algn="l" fontAlgn="b"/>
                       <a:r>
-                        <a:rPr lang="fr-CH" sz="1100" b="0" i="0" u="none" strike="noStrike">
+                        <a:rPr lang="fr-CH" sz="1600" b="0" i="0" u="none" strike="noStrike">
                           <a:solidFill>
                             <a:srgbClr val="000000"/>
                           </a:solidFill>
@@ -21317,7 +21312,7 @@
                     <a:p>
                       <a:pPr algn="l" fontAlgn="b"/>
                       <a:r>
-                        <a:rPr lang="fr-CH" sz="1100" b="0" i="0" u="none" strike="noStrike">
+                        <a:rPr lang="fr-CH" sz="1600" b="0" i="0" u="none" strike="noStrike">
                           <a:solidFill>
                             <a:srgbClr val="000000"/>
                           </a:solidFill>
@@ -21377,7 +21372,7 @@
                     <a:p>
                       <a:pPr algn="l" fontAlgn="b"/>
                       <a:r>
-                        <a:rPr lang="fr-CH" sz="1100" b="0" i="0" u="none" strike="noStrike">
+                        <a:rPr lang="fr-CH" sz="1600" b="0" i="0" u="none" strike="noStrike">
                           <a:solidFill>
                             <a:srgbClr val="000000"/>
                           </a:solidFill>
@@ -21437,7 +21432,7 @@
                     <a:p>
                       <a:pPr algn="l" fontAlgn="b"/>
                       <a:r>
-                        <a:rPr lang="fr-CH" sz="1100" b="0" i="0" u="none" strike="noStrike">
+                        <a:rPr lang="fr-CH" sz="1600" b="0" i="0" u="none" strike="noStrike">
                           <a:solidFill>
                             <a:srgbClr val="000000"/>
                           </a:solidFill>
@@ -21499,7 +21494,7 @@
                     <a:p>
                       <a:pPr algn="l" fontAlgn="b"/>
                       <a:r>
-                        <a:rPr lang="fr-CH" sz="1100" b="0" i="0" u="none" strike="noStrike">
+                        <a:rPr lang="fr-CH" sz="1600" b="0" i="0" u="none" strike="noStrike">
                           <a:solidFill>
                             <a:srgbClr val="000000"/>
                           </a:solidFill>
@@ -21556,7 +21551,7 @@
                     <a:p>
                       <a:pPr algn="l" fontAlgn="b"/>
                       <a:r>
-                        <a:rPr lang="fr-CH" sz="1100" b="0" i="0" u="none" strike="noStrike">
+                        <a:rPr lang="fr-CH" sz="1600" b="0" i="0" u="none" strike="noStrike">
                           <a:solidFill>
                             <a:srgbClr val="000000"/>
                           </a:solidFill>
@@ -21613,7 +21608,7 @@
                     <a:p>
                       <a:pPr algn="l" fontAlgn="b"/>
                       <a:r>
-                        <a:rPr lang="fr-CH" sz="1100" b="0" i="0" u="none" strike="noStrike">
+                        <a:rPr lang="fr-CH" sz="1600" b="0" i="0" u="none" strike="noStrike">
                           <a:solidFill>
                             <a:srgbClr val="000000"/>
                           </a:solidFill>
@@ -21670,7 +21665,7 @@
                     <a:p>
                       <a:pPr algn="l" fontAlgn="b"/>
                       <a:r>
-                        <a:rPr lang="fr-CH" sz="1100" b="0" i="0" u="none" strike="noStrike">
+                        <a:rPr lang="fr-CH" sz="1600" b="0" i="0" u="none" strike="noStrike">
                           <a:solidFill>
                             <a:srgbClr val="000000"/>
                           </a:solidFill>
@@ -21727,7 +21722,7 @@
                     <a:p>
                       <a:pPr algn="l" fontAlgn="b"/>
                       <a:r>
-                        <a:rPr lang="fr-CH" sz="1100" b="0" i="0" u="none" strike="noStrike">
+                        <a:rPr lang="fr-CH" sz="1600" b="0" i="0" u="none" strike="noStrike">
                           <a:solidFill>
                             <a:srgbClr val="000000"/>
                           </a:solidFill>
@@ -21784,7 +21779,7 @@
                     <a:p>
                       <a:pPr algn="l" fontAlgn="b"/>
                       <a:r>
-                        <a:rPr lang="fr-CH" sz="1100" b="0" i="0" u="none" strike="noStrike">
+                        <a:rPr lang="fr-CH" sz="1600" b="0" i="0" u="none" strike="noStrike">
                           <a:solidFill>
                             <a:srgbClr val="000000"/>
                           </a:solidFill>
@@ -21843,7 +21838,7 @@
                     <a:p>
                       <a:pPr algn="l" fontAlgn="b"/>
                       <a:r>
-                        <a:rPr lang="fr-CH" sz="1100" b="0" i="0" u="none" strike="noStrike">
+                        <a:rPr lang="fr-CH" sz="1600" b="0" i="0" u="none" strike="noStrike">
                           <a:solidFill>
                             <a:srgbClr val="000000"/>
                           </a:solidFill>
@@ -21903,7 +21898,7 @@
                     <a:p>
                       <a:pPr algn="l" fontAlgn="b"/>
                       <a:r>
-                        <a:rPr lang="fr-CH" sz="1100" b="0" i="0" u="none" strike="noStrike">
+                        <a:rPr lang="fr-CH" sz="1600" b="0" i="0" u="none" strike="noStrike">
                           <a:solidFill>
                             <a:srgbClr val="000000"/>
                           </a:solidFill>
@@ -21963,7 +21958,7 @@
                     <a:p>
                       <a:pPr algn="l" fontAlgn="b"/>
                       <a:r>
-                        <a:rPr lang="fr-CH" sz="1100" b="0" i="0" u="none" strike="noStrike">
+                        <a:rPr lang="fr-CH" sz="1600" b="0" i="0" u="none" strike="noStrike">
                           <a:solidFill>
                             <a:srgbClr val="000000"/>
                           </a:solidFill>
@@ -22023,7 +22018,7 @@
                     <a:p>
                       <a:pPr algn="l" fontAlgn="b"/>
                       <a:r>
-                        <a:rPr lang="fr-CH" sz="1100" b="0" i="0" u="none" strike="noStrike">
+                        <a:rPr lang="fr-CH" sz="1600" b="0" i="0" u="none" strike="noStrike">
                           <a:solidFill>
                             <a:srgbClr val="000000"/>
                           </a:solidFill>
@@ -22083,7 +22078,7 @@
                     <a:p>
                       <a:pPr algn="l" fontAlgn="b"/>
                       <a:r>
-                        <a:rPr lang="fr-CH" sz="1100" b="0" i="0" u="none" strike="noStrike">
+                        <a:rPr lang="fr-CH" sz="1600" b="0" i="0" u="none" strike="noStrike">
                           <a:solidFill>
                             <a:srgbClr val="000000"/>
                           </a:solidFill>
@@ -22143,7 +22138,7 @@
                     <a:p>
                       <a:pPr algn="l" fontAlgn="b"/>
                       <a:r>
-                        <a:rPr lang="fr-CH" sz="1100" b="0" i="0" u="none" strike="noStrike">
+                        <a:rPr lang="fr-CH" sz="1600" b="0" i="0" u="none" strike="noStrike">
                           <a:solidFill>
                             <a:srgbClr val="000000"/>
                           </a:solidFill>
@@ -22205,7 +22200,7 @@
                     <a:p>
                       <a:pPr algn="l" fontAlgn="b"/>
                       <a:r>
-                        <a:rPr lang="fr-CH" sz="1100" b="0" i="0" u="none" strike="noStrike">
+                        <a:rPr lang="fr-CH" sz="1600" b="0" i="0" u="none" strike="noStrike">
                           <a:solidFill>
                             <a:srgbClr val="000000"/>
                           </a:solidFill>
@@ -22262,7 +22257,7 @@
                     <a:p>
                       <a:pPr algn="l" fontAlgn="b"/>
                       <a:r>
-                        <a:rPr lang="fr-CH" sz="1100" b="0" i="0" u="none" strike="noStrike">
+                        <a:rPr lang="fr-CH" sz="1600" b="0" i="0" u="none" strike="noStrike">
                           <a:solidFill>
                             <a:srgbClr val="000000"/>
                           </a:solidFill>
@@ -22319,7 +22314,7 @@
                     <a:p>
                       <a:pPr algn="l" fontAlgn="b"/>
                       <a:r>
-                        <a:rPr lang="fr-CH" sz="1100" b="0" i="0" u="none" strike="noStrike">
+                        <a:rPr lang="fr-CH" sz="1600" b="0" i="0" u="none" strike="noStrike">
                           <a:solidFill>
                             <a:srgbClr val="000000"/>
                           </a:solidFill>
@@ -22376,7 +22371,7 @@
                     <a:p>
                       <a:pPr algn="l" fontAlgn="b"/>
                       <a:r>
-                        <a:rPr lang="fr-CH" sz="1100" b="0" i="0" u="none" strike="noStrike">
+                        <a:rPr lang="fr-CH" sz="1600" b="0" i="0" u="none" strike="noStrike">
                           <a:solidFill>
                             <a:srgbClr val="000000"/>
                           </a:solidFill>
@@ -22433,7 +22428,7 @@
                     <a:p>
                       <a:pPr algn="l" fontAlgn="b"/>
                       <a:r>
-                        <a:rPr lang="fr-CH" sz="1100" b="0" i="0" u="none" strike="noStrike">
+                        <a:rPr lang="fr-CH" sz="1600" b="0" i="0" u="none" strike="noStrike">
                           <a:solidFill>
                             <a:srgbClr val="000000"/>
                           </a:solidFill>
@@ -22490,7 +22485,7 @@
                     <a:p>
                       <a:pPr algn="l" fontAlgn="b"/>
                       <a:r>
-                        <a:rPr lang="fr-CH" sz="1100" b="0" i="0" u="none" strike="noStrike">
+                        <a:rPr lang="fr-CH" sz="1600" b="0" i="0" u="none" strike="noStrike">
                           <a:solidFill>
                             <a:srgbClr val="000000"/>
                           </a:solidFill>
@@ -22549,7 +22544,7 @@
                     <a:p>
                       <a:pPr algn="l" fontAlgn="b"/>
                       <a:r>
-                        <a:rPr lang="fr-CH" sz="1100" b="0" i="0" u="none" strike="noStrike">
+                        <a:rPr lang="fr-CH" sz="1600" b="0" i="0" u="none" strike="noStrike">
                           <a:solidFill>
                             <a:srgbClr val="000000"/>
                           </a:solidFill>
@@ -22609,7 +22604,7 @@
                     <a:p>
                       <a:pPr algn="l" fontAlgn="b"/>
                       <a:r>
-                        <a:rPr lang="fr-CH" sz="1100" b="0" i="0" u="none" strike="noStrike">
+                        <a:rPr lang="fr-CH" sz="1600" b="0" i="0" u="none" strike="noStrike">
                           <a:solidFill>
                             <a:srgbClr val="000000"/>
                           </a:solidFill>
@@ -22669,7 +22664,7 @@
                     <a:p>
                       <a:pPr algn="l" fontAlgn="b"/>
                       <a:r>
-                        <a:rPr lang="fr-CH" sz="1100" b="0" i="0" u="none" strike="noStrike">
+                        <a:rPr lang="fr-CH" sz="1600" b="0" i="0" u="none" strike="noStrike">
                           <a:solidFill>
                             <a:srgbClr val="000000"/>
                           </a:solidFill>
@@ -22729,7 +22724,7 @@
                     <a:p>
                       <a:pPr algn="l" fontAlgn="b"/>
                       <a:r>
-                        <a:rPr lang="fr-CH" sz="1100" b="0" i="0" u="none" strike="noStrike">
+                        <a:rPr lang="fr-CH" sz="1600" b="0" i="0" u="none" strike="noStrike">
                           <a:solidFill>
                             <a:srgbClr val="000000"/>
                           </a:solidFill>
@@ -22789,7 +22784,7 @@
                     <a:p>
                       <a:pPr algn="l" fontAlgn="b"/>
                       <a:r>
-                        <a:rPr lang="fr-CH" sz="1100" b="0" i="0" u="none" strike="noStrike">
+                        <a:rPr lang="fr-CH" sz="1600" b="0" i="0" u="none" strike="noStrike">
                           <a:solidFill>
                             <a:srgbClr val="000000"/>
                           </a:solidFill>
@@ -22849,7 +22844,7 @@
                     <a:p>
                       <a:pPr algn="l" fontAlgn="b"/>
                       <a:r>
-                        <a:rPr lang="fr-CH" sz="1100" b="0" i="0" u="none" strike="noStrike">
+                        <a:rPr lang="fr-CH" sz="1600" b="0" i="0" u="none" strike="noStrike">
                           <a:solidFill>
                             <a:srgbClr val="000000"/>
                           </a:solidFill>
@@ -22911,7 +22906,7 @@
                     <a:p>
                       <a:pPr algn="l" fontAlgn="b"/>
                       <a:r>
-                        <a:rPr lang="fr-CH" sz="1100" b="1" i="0" u="none" strike="noStrike">
+                        <a:rPr lang="fr-CH" sz="1600" b="1" i="0" u="none" strike="noStrike">
                           <a:solidFill>
                             <a:srgbClr val="000000"/>
                           </a:solidFill>
@@ -22968,7 +22963,7 @@
                     <a:p>
                       <a:pPr algn="l" fontAlgn="b"/>
                       <a:r>
-                        <a:rPr lang="fr-CH" sz="1100" b="1" i="0" u="none" strike="noStrike">
+                        <a:rPr lang="fr-CH" sz="1600" b="1" i="0" u="none" strike="noStrike">
                           <a:solidFill>
                             <a:srgbClr val="000000"/>
                           </a:solidFill>
@@ -23025,7 +23020,7 @@
                     <a:p>
                       <a:pPr algn="l" fontAlgn="b"/>
                       <a:r>
-                        <a:rPr lang="fr-CH" sz="1100" b="1" i="0" u="none" strike="noStrike">
+                        <a:rPr lang="fr-CH" sz="1600" b="1" i="0" u="none" strike="noStrike">
                           <a:solidFill>
                             <a:srgbClr val="000000"/>
                           </a:solidFill>
@@ -23082,7 +23077,7 @@
                     <a:p>
                       <a:pPr algn="l" fontAlgn="b"/>
                       <a:r>
-                        <a:rPr lang="fr-CH" sz="1100" b="1" i="0" u="none" strike="noStrike">
+                        <a:rPr lang="fr-CH" sz="1600" b="1" i="0" u="none" strike="noStrike">
                           <a:solidFill>
                             <a:srgbClr val="000000"/>
                           </a:solidFill>
@@ -23139,7 +23134,7 @@
                     <a:p>
                       <a:pPr algn="l" fontAlgn="b"/>
                       <a:r>
-                        <a:rPr lang="fr-CH" sz="1100" b="1" i="0" u="none" strike="noStrike">
+                        <a:rPr lang="fr-CH" sz="1600" b="1" i="0" u="none" strike="noStrike">
                           <a:solidFill>
                             <a:srgbClr val="000000"/>
                           </a:solidFill>
@@ -23196,7 +23191,7 @@
                     <a:p>
                       <a:pPr algn="l" fontAlgn="b"/>
                       <a:r>
-                        <a:rPr lang="fr-CH" sz="1100" b="1" i="0" u="none" strike="noStrike" dirty="0">
+                        <a:rPr lang="fr-CH" sz="1600" b="1" i="0" u="none" strike="noStrike" dirty="0">
                           <a:solidFill>
                             <a:srgbClr val="000000"/>
                           </a:solidFill>
@@ -23328,14 +23323,14 @@
             <p:ph idx="1"/>
             <p:extLst>
               <p:ext uri="{D42A27DB-BD31-4B8C-83A1-F6EECF244321}">
-                <p14:modId xmlns:p14="http://schemas.microsoft.com/office/powerpoint/2010/main" val="1715744402"/>
+                <p14:modId xmlns:p14="http://schemas.microsoft.com/office/powerpoint/2010/main" val="927141695"/>
               </p:ext>
             </p:extLst>
           </p:nvPr>
         </p:nvGraphicFramePr>
         <p:xfrm>
           <a:off x="1331640" y="1916832"/>
-          <a:ext cx="7422204" cy="3648045"/>
+          <a:ext cx="7422204" cy="3657600"/>
         </p:xfrm>
         <a:graphic>
           <a:graphicData uri="http://schemas.openxmlformats.org/drawingml/2006/table">
@@ -23350,14 +23345,14 @@
                 <a:gridCol w="1307664"/>
               </a:tblGrid>
               <a:tr h="243203">
-                <a:tc gridSpan="5">
+                <a:tc gridSpan="6">
                   <a:txBody>
                     <a:bodyPr/>
                     <a:lstStyle/>
                     <a:p>
                       <a:pPr algn="l" fontAlgn="b"/>
                       <a:r>
-                        <a:rPr lang="fr-CH" sz="1400" b="1" i="0" u="none" strike="noStrike" dirty="0">
+                        <a:rPr lang="fr-CH" sz="1600" b="1" i="0" u="none" strike="noStrike" dirty="0">
                           <a:solidFill>
                             <a:srgbClr val="000000"/>
                           </a:solidFill>
@@ -23367,7 +23362,7 @@
                         <a:t>Exemple avec détection de motif complexe par extremum, algorithme : </a:t>
                       </a:r>
                       <a:r>
-                        <a:rPr lang="fr-CH" sz="1400" b="1" i="0" u="none" strike="noStrike" dirty="0" err="1">
+                        <a:rPr lang="fr-CH" sz="1600" b="1" i="0" u="none" strike="noStrike" dirty="0" err="1">
                           <a:solidFill>
                             <a:srgbClr val="000000"/>
                           </a:solidFill>
@@ -23376,7 +23371,7 @@
                         </a:rPr>
                         <a:t>Sift</a:t>
                       </a:r>
-                      <a:endParaRPr lang="fr-CH" sz="1400" b="1" i="0" u="none" strike="noStrike" dirty="0">
+                      <a:endParaRPr lang="fr-CH" sz="1600" b="1" i="0" u="none" strike="noStrike" dirty="0">
                         <a:solidFill>
                           <a:srgbClr val="000000"/>
                         </a:solidFill>
@@ -23440,13 +23435,13 @@
                   </a:txBody>
                   <a:tcPr/>
                 </a:tc>
-                <a:tc>
+                <a:tc hMerge="1">
                   <a:txBody>
                     <a:bodyPr/>
                     <a:lstStyle/>
                     <a:p>
                       <a:pPr algn="l" fontAlgn="b"/>
-                      <a:endParaRPr lang="fr-CH" sz="1100" b="0" i="0" u="none" strike="noStrike">
+                      <a:endParaRPr lang="fr-CH" sz="1600" b="0" i="0" u="none" strike="noStrike" dirty="0">
                         <a:solidFill>
                           <a:srgbClr val="000000"/>
                         </a:solidFill>
@@ -23479,7 +23474,7 @@
                     <a:p>
                       <a:pPr algn="l" fontAlgn="b"/>
                       <a:r>
-                        <a:rPr lang="fr-CH" sz="1400" b="1" i="0" u="none" strike="noStrike" dirty="0">
+                        <a:rPr lang="fr-CH" sz="1600" b="1" i="0" u="none" strike="noStrike" dirty="0">
                           <a:solidFill>
                             <a:srgbClr val="000000"/>
                           </a:solidFill>
@@ -23557,14 +23552,14 @@
                 </a:tc>
               </a:tr>
               <a:tr h="243203">
-                <a:tc gridSpan="2">
+                <a:tc gridSpan="3">
                   <a:txBody>
                     <a:bodyPr/>
                     <a:lstStyle/>
                     <a:p>
                       <a:pPr algn="l" fontAlgn="b"/>
                       <a:r>
-                        <a:rPr lang="fr-CH" sz="1400" b="1" i="0" u="none" strike="noStrike" dirty="0">
+                        <a:rPr lang="fr-CH" sz="1600" b="1" i="0" u="none" strike="noStrike" dirty="0">
                           <a:solidFill>
                             <a:srgbClr val="000000"/>
                           </a:solidFill>
@@ -23600,13 +23595,13 @@
                   </a:txBody>
                   <a:tcPr/>
                 </a:tc>
-                <a:tc>
+                <a:tc hMerge="1">
                   <a:txBody>
                     <a:bodyPr/>
                     <a:lstStyle/>
                     <a:p>
                       <a:pPr algn="l" fontAlgn="b"/>
-                      <a:endParaRPr lang="fr-CH" sz="1100" b="0" i="0" u="none" strike="noStrike">
+                      <a:endParaRPr lang="fr-CH" sz="1600" b="0" i="0" u="none" strike="noStrike" dirty="0">
                         <a:solidFill>
                           <a:srgbClr val="000000"/>
                         </a:solidFill>
@@ -23636,7 +23631,7 @@
                     <a:lstStyle/>
                     <a:p>
                       <a:pPr algn="l" fontAlgn="b"/>
-                      <a:endParaRPr lang="fr-CH" sz="1100" b="0" i="0" u="none" strike="noStrike">
+                      <a:endParaRPr lang="fr-CH" sz="1600" b="0" i="0" u="none" strike="noStrike">
                         <a:solidFill>
                           <a:srgbClr val="000000"/>
                         </a:solidFill>
@@ -23666,7 +23661,7 @@
                     <a:lstStyle/>
                     <a:p>
                       <a:pPr algn="l" fontAlgn="b"/>
-                      <a:endParaRPr lang="fr-CH" sz="1100" b="0" i="0" u="none" strike="noStrike">
+                      <a:endParaRPr lang="fr-CH" sz="1600" b="0" i="0" u="none" strike="noStrike">
                         <a:solidFill>
                           <a:srgbClr val="000000"/>
                         </a:solidFill>
@@ -23696,7 +23691,7 @@
                     <a:lstStyle/>
                     <a:p>
                       <a:pPr algn="l" fontAlgn="b"/>
-                      <a:endParaRPr lang="fr-CH" sz="1100" b="0" i="0" u="none" strike="noStrike">
+                      <a:endParaRPr lang="fr-CH" sz="1600" b="0" i="0" u="none" strike="noStrike">
                         <a:solidFill>
                           <a:srgbClr val="000000"/>
                         </a:solidFill>
@@ -23728,7 +23723,7 @@
                     <a:lstStyle/>
                     <a:p>
                       <a:pPr algn="l" fontAlgn="b"/>
-                      <a:endParaRPr lang="fr-CH" sz="1100" b="1" i="0" u="none" strike="noStrike">
+                      <a:endParaRPr lang="fr-CH" sz="1600" b="1" i="0" u="none" strike="noStrike">
                         <a:solidFill>
                           <a:srgbClr val="000000"/>
                         </a:solidFill>
@@ -23764,7 +23759,7 @@
                     <a:lstStyle/>
                     <a:p>
                       <a:pPr algn="l" fontAlgn="b"/>
-                      <a:endParaRPr lang="fr-CH" sz="1100" b="0" i="0" u="none" strike="noStrike">
+                      <a:endParaRPr lang="fr-CH" sz="1600" b="0" i="0" u="none" strike="noStrike">
                         <a:solidFill>
                           <a:srgbClr val="000000"/>
                         </a:solidFill>
@@ -23800,7 +23795,7 @@
                     <a:lstStyle/>
                     <a:p>
                       <a:pPr algn="l" fontAlgn="b"/>
-                      <a:endParaRPr lang="fr-CH" sz="1100" b="0" i="0" u="none" strike="noStrike">
+                      <a:endParaRPr lang="fr-CH" sz="1600" b="0" i="0" u="none" strike="noStrike">
                         <a:solidFill>
                           <a:srgbClr val="000000"/>
                         </a:solidFill>
@@ -23836,7 +23831,7 @@
                     <a:lstStyle/>
                     <a:p>
                       <a:pPr algn="l" fontAlgn="b"/>
-                      <a:endParaRPr lang="fr-CH" sz="1100" b="0" i="0" u="none" strike="noStrike">
+                      <a:endParaRPr lang="fr-CH" sz="1600" b="0" i="0" u="none" strike="noStrike">
                         <a:solidFill>
                           <a:srgbClr val="000000"/>
                         </a:solidFill>
@@ -23872,7 +23867,7 @@
                     <a:lstStyle/>
                     <a:p>
                       <a:pPr algn="l" fontAlgn="b"/>
-                      <a:endParaRPr lang="fr-CH" sz="1100" b="0" i="0" u="none" strike="noStrike">
+                      <a:endParaRPr lang="fr-CH" sz="1600" b="0" i="0" u="none" strike="noStrike">
                         <a:solidFill>
                           <a:srgbClr val="000000"/>
                         </a:solidFill>
@@ -23908,7 +23903,7 @@
                     <a:lstStyle/>
                     <a:p>
                       <a:pPr algn="l" fontAlgn="b"/>
-                      <a:endParaRPr lang="fr-CH" sz="1100" b="0" i="0" u="none" strike="noStrike">
+                      <a:endParaRPr lang="fr-CH" sz="1600" b="0" i="0" u="none" strike="noStrike">
                         <a:solidFill>
                           <a:srgbClr val="000000"/>
                         </a:solidFill>
@@ -23947,7 +23942,7 @@
                     <a:p>
                       <a:pPr algn="l" fontAlgn="b"/>
                       <a:r>
-                        <a:rPr lang="fr-CH" sz="1100" b="1" i="0" u="none" strike="noStrike">
+                        <a:rPr lang="fr-CH" sz="1600" b="1" i="0" u="none" strike="noStrike">
                           <a:solidFill>
                             <a:srgbClr val="000000"/>
                           </a:solidFill>
@@ -24004,7 +23999,7 @@
                     <a:p>
                       <a:pPr algn="l" fontAlgn="b"/>
                       <a:r>
-                        <a:rPr lang="fr-CH" sz="1100" b="1" i="0" u="none" strike="noStrike">
+                        <a:rPr lang="fr-CH" sz="1600" b="1" i="0" u="none" strike="noStrike">
                           <a:solidFill>
                             <a:srgbClr val="000000"/>
                           </a:solidFill>
@@ -24061,7 +24056,7 @@
                     <a:p>
                       <a:pPr algn="l" fontAlgn="b"/>
                       <a:r>
-                        <a:rPr lang="fr-CH" sz="1100" b="1" i="0" u="none" strike="noStrike">
+                        <a:rPr lang="fr-CH" sz="1600" b="1" i="0" u="none" strike="noStrike">
                           <a:solidFill>
                             <a:srgbClr val="000000"/>
                           </a:solidFill>
@@ -24118,7 +24113,7 @@
                     <a:p>
                       <a:pPr algn="l" fontAlgn="b"/>
                       <a:r>
-                        <a:rPr lang="fr-CH" sz="1100" b="1" i="0" u="none" strike="noStrike">
+                        <a:rPr lang="fr-CH" sz="1600" b="1" i="0" u="none" strike="noStrike">
                           <a:solidFill>
                             <a:srgbClr val="000000"/>
                           </a:solidFill>
@@ -24175,7 +24170,7 @@
                     <a:p>
                       <a:pPr algn="l" fontAlgn="b"/>
                       <a:r>
-                        <a:rPr lang="fr-CH" sz="1100" b="1" i="0" u="none" strike="noStrike">
+                        <a:rPr lang="fr-CH" sz="1600" b="1" i="0" u="none" strike="noStrike">
                           <a:solidFill>
                             <a:srgbClr val="000000"/>
                           </a:solidFill>
@@ -24232,7 +24227,7 @@
                     <a:p>
                       <a:pPr algn="l" fontAlgn="b"/>
                       <a:r>
-                        <a:rPr lang="fr-CH" sz="1100" b="1" i="0" u="none" strike="noStrike">
+                        <a:rPr lang="fr-CH" sz="1600" b="1" i="0" u="none" strike="noStrike">
                           <a:solidFill>
                             <a:srgbClr val="000000"/>
                           </a:solidFill>
@@ -24291,7 +24286,7 @@
                     <a:p>
                       <a:pPr algn="l" fontAlgn="b"/>
                       <a:r>
-                        <a:rPr lang="fr-CH" sz="1100" b="0" i="0" u="none" strike="noStrike">
+                        <a:rPr lang="fr-CH" sz="1600" b="0" i="0" u="none" strike="noStrike">
                           <a:solidFill>
                             <a:srgbClr val="000000"/>
                           </a:solidFill>
@@ -24351,7 +24346,7 @@
                     <a:p>
                       <a:pPr algn="l" fontAlgn="b"/>
                       <a:r>
-                        <a:rPr lang="fr-CH" sz="1100" b="0" i="0" u="none" strike="noStrike">
+                        <a:rPr lang="fr-CH" sz="1600" b="0" i="0" u="none" strike="noStrike">
                           <a:solidFill>
                             <a:srgbClr val="000000"/>
                           </a:solidFill>
@@ -24411,7 +24406,7 @@
                     <a:p>
                       <a:pPr algn="l" fontAlgn="b"/>
                       <a:r>
-                        <a:rPr lang="fr-CH" sz="1100" b="0" i="0" u="none" strike="noStrike">
+                        <a:rPr lang="fr-CH" sz="1600" b="0" i="0" u="none" strike="noStrike">
                           <a:solidFill>
                             <a:srgbClr val="000000"/>
                           </a:solidFill>
@@ -24471,7 +24466,7 @@
                     <a:p>
                       <a:pPr algn="l" fontAlgn="b"/>
                       <a:r>
-                        <a:rPr lang="fr-CH" sz="1100" b="0" i="0" u="none" strike="noStrike">
+                        <a:rPr lang="fr-CH" sz="1600" b="0" i="0" u="none" strike="noStrike">
                           <a:solidFill>
                             <a:srgbClr val="000000"/>
                           </a:solidFill>
@@ -24531,7 +24526,7 @@
                     <a:p>
                       <a:pPr algn="l" fontAlgn="b"/>
                       <a:r>
-                        <a:rPr lang="fr-CH" sz="1100" b="0" i="0" u="none" strike="noStrike">
+                        <a:rPr lang="fr-CH" sz="1600" b="0" i="0" u="none" strike="noStrike">
                           <a:solidFill>
                             <a:srgbClr val="000000"/>
                           </a:solidFill>
@@ -24591,7 +24586,7 @@
                     <a:p>
                       <a:pPr algn="l" fontAlgn="b"/>
                       <a:r>
-                        <a:rPr lang="fr-CH" sz="1100" b="0" i="0" u="none" strike="noStrike">
+                        <a:rPr lang="fr-CH" sz="1600" b="0" i="0" u="none" strike="noStrike">
                           <a:solidFill>
                             <a:srgbClr val="000000"/>
                           </a:solidFill>
@@ -24653,7 +24648,7 @@
                     <a:p>
                       <a:pPr algn="l" fontAlgn="b"/>
                       <a:r>
-                        <a:rPr lang="fr-CH" sz="1100" b="0" i="0" u="none" strike="noStrike">
+                        <a:rPr lang="fr-CH" sz="1600" b="0" i="0" u="none" strike="noStrike">
                           <a:solidFill>
                             <a:srgbClr val="000000"/>
                           </a:solidFill>
@@ -24710,7 +24705,7 @@
                     <a:p>
                       <a:pPr algn="l" fontAlgn="b"/>
                       <a:r>
-                        <a:rPr lang="fr-CH" sz="1100" b="0" i="0" u="none" strike="noStrike">
+                        <a:rPr lang="fr-CH" sz="1600" b="0" i="0" u="none" strike="noStrike">
                           <a:solidFill>
                             <a:srgbClr val="000000"/>
                           </a:solidFill>
@@ -24767,7 +24762,7 @@
                     <a:p>
                       <a:pPr algn="l" fontAlgn="b"/>
                       <a:r>
-                        <a:rPr lang="fr-CH" sz="1100" b="0" i="0" u="none" strike="noStrike">
+                        <a:rPr lang="fr-CH" sz="1600" b="0" i="0" u="none" strike="noStrike">
                           <a:solidFill>
                             <a:srgbClr val="000000"/>
                           </a:solidFill>
@@ -24824,7 +24819,7 @@
                     <a:p>
                       <a:pPr algn="l" fontAlgn="b"/>
                       <a:r>
-                        <a:rPr lang="fr-CH" sz="1100" b="0" i="0" u="none" strike="noStrike">
+                        <a:rPr lang="fr-CH" sz="1600" b="0" i="0" u="none" strike="noStrike">
                           <a:solidFill>
                             <a:srgbClr val="000000"/>
                           </a:solidFill>
@@ -24881,7 +24876,7 @@
                     <a:p>
                       <a:pPr algn="l" fontAlgn="b"/>
                       <a:r>
-                        <a:rPr lang="fr-CH" sz="1100" b="0" i="0" u="none" strike="noStrike">
+                        <a:rPr lang="fr-CH" sz="1600" b="0" i="0" u="none" strike="noStrike">
                           <a:solidFill>
                             <a:srgbClr val="000000"/>
                           </a:solidFill>
@@ -24938,7 +24933,7 @@
                     <a:p>
                       <a:pPr algn="l" fontAlgn="b"/>
                       <a:r>
-                        <a:rPr lang="fr-CH" sz="1100" b="0" i="0" u="none" strike="noStrike">
+                        <a:rPr lang="fr-CH" sz="1600" b="0" i="0" u="none" strike="noStrike">
                           <a:solidFill>
                             <a:srgbClr val="000000"/>
                           </a:solidFill>
@@ -24997,7 +24992,7 @@
                     <a:p>
                       <a:pPr algn="l" fontAlgn="b"/>
                       <a:r>
-                        <a:rPr lang="fr-CH" sz="1100" b="0" i="0" u="none" strike="noStrike">
+                        <a:rPr lang="fr-CH" sz="1600" b="0" i="0" u="none" strike="noStrike">
                           <a:solidFill>
                             <a:srgbClr val="000000"/>
                           </a:solidFill>
@@ -25057,7 +25052,7 @@
                     <a:p>
                       <a:pPr algn="l" fontAlgn="b"/>
                       <a:r>
-                        <a:rPr lang="fr-CH" sz="1100" b="0" i="0" u="none" strike="noStrike">
+                        <a:rPr lang="fr-CH" sz="1600" b="0" i="0" u="none" strike="noStrike" dirty="0">
                           <a:solidFill>
                             <a:srgbClr val="000000"/>
                           </a:solidFill>
@@ -25117,7 +25112,7 @@
                     <a:p>
                       <a:pPr algn="l" fontAlgn="b"/>
                       <a:r>
-                        <a:rPr lang="fr-CH" sz="1100" b="0" i="0" u="none" strike="noStrike">
+                        <a:rPr lang="fr-CH" sz="1600" b="0" i="0" u="none" strike="noStrike">
                           <a:solidFill>
                             <a:srgbClr val="000000"/>
                           </a:solidFill>
@@ -25177,7 +25172,7 @@
                     <a:p>
                       <a:pPr algn="l" fontAlgn="b"/>
                       <a:r>
-                        <a:rPr lang="fr-CH" sz="1100" b="0" i="0" u="none" strike="noStrike">
+                        <a:rPr lang="fr-CH" sz="1600" b="0" i="0" u="none" strike="noStrike">
                           <a:solidFill>
                             <a:srgbClr val="000000"/>
                           </a:solidFill>
@@ -25237,7 +25232,7 @@
                     <a:p>
                       <a:pPr algn="l" fontAlgn="b"/>
                       <a:r>
-                        <a:rPr lang="fr-CH" sz="1100" b="0" i="0" u="none" strike="noStrike">
+                        <a:rPr lang="fr-CH" sz="1600" b="0" i="0" u="none" strike="noStrike">
                           <a:solidFill>
                             <a:srgbClr val="000000"/>
                           </a:solidFill>
@@ -25297,7 +25292,7 @@
                     <a:p>
                       <a:pPr algn="l" fontAlgn="b"/>
                       <a:r>
-                        <a:rPr lang="fr-CH" sz="1100" b="0" i="0" u="none" strike="noStrike">
+                        <a:rPr lang="fr-CH" sz="1600" b="0" i="0" u="none" strike="noStrike">
                           <a:solidFill>
                             <a:srgbClr val="000000"/>
                           </a:solidFill>
@@ -25359,7 +25354,7 @@
                     <a:p>
                       <a:pPr algn="l" fontAlgn="b"/>
                       <a:r>
-                        <a:rPr lang="fr-CH" sz="1100" b="0" i="0" u="none" strike="noStrike">
+                        <a:rPr lang="fr-CH" sz="1600" b="0" i="0" u="none" strike="noStrike">
                           <a:solidFill>
                             <a:srgbClr val="000000"/>
                           </a:solidFill>
@@ -25416,7 +25411,7 @@
                     <a:p>
                       <a:pPr algn="l" fontAlgn="b"/>
                       <a:r>
-                        <a:rPr lang="fr-CH" sz="1100" b="0" i="0" u="none" strike="noStrike">
+                        <a:rPr lang="fr-CH" sz="1600" b="0" i="0" u="none" strike="noStrike">
                           <a:solidFill>
                             <a:srgbClr val="000000"/>
                           </a:solidFill>
@@ -25473,7 +25468,7 @@
                     <a:p>
                       <a:pPr algn="l" fontAlgn="b"/>
                       <a:r>
-                        <a:rPr lang="fr-CH" sz="1100" b="0" i="0" u="none" strike="noStrike">
+                        <a:rPr lang="fr-CH" sz="1600" b="0" i="0" u="none" strike="noStrike">
                           <a:solidFill>
                             <a:srgbClr val="000000"/>
                           </a:solidFill>
@@ -25530,7 +25525,7 @@
                     <a:p>
                       <a:pPr algn="l" fontAlgn="b"/>
                       <a:r>
-                        <a:rPr lang="fr-CH" sz="1100" b="0" i="0" u="none" strike="noStrike">
+                        <a:rPr lang="fr-CH" sz="1600" b="0" i="0" u="none" strike="noStrike">
                           <a:solidFill>
                             <a:srgbClr val="000000"/>
                           </a:solidFill>
@@ -25587,7 +25582,7 @@
                     <a:p>
                       <a:pPr algn="l" fontAlgn="b"/>
                       <a:r>
-                        <a:rPr lang="fr-CH" sz="1100" b="0" i="0" u="none" strike="noStrike">
+                        <a:rPr lang="fr-CH" sz="1600" b="0" i="0" u="none" strike="noStrike">
                           <a:solidFill>
                             <a:srgbClr val="000000"/>
                           </a:solidFill>
@@ -25644,7 +25639,7 @@
                     <a:p>
                       <a:pPr algn="l" fontAlgn="b"/>
                       <a:r>
-                        <a:rPr lang="fr-CH" sz="1100" b="0" i="0" u="none" strike="noStrike">
+                        <a:rPr lang="fr-CH" sz="1600" b="0" i="0" u="none" strike="noStrike">
                           <a:solidFill>
                             <a:srgbClr val="000000"/>
                           </a:solidFill>
@@ -25703,7 +25698,7 @@
                     <a:p>
                       <a:pPr algn="l" fontAlgn="b"/>
                       <a:r>
-                        <a:rPr lang="fr-CH" sz="1100" b="0" i="0" u="none" strike="noStrike">
+                        <a:rPr lang="fr-CH" sz="1600" b="0" i="0" u="none" strike="noStrike">
                           <a:solidFill>
                             <a:srgbClr val="000000"/>
                           </a:solidFill>
@@ -25763,7 +25758,7 @@
                     <a:p>
                       <a:pPr algn="l" fontAlgn="b"/>
                       <a:r>
-                        <a:rPr lang="fr-CH" sz="1100" b="0" i="0" u="none" strike="noStrike">
+                        <a:rPr lang="fr-CH" sz="1600" b="0" i="0" u="none" strike="noStrike">
                           <a:solidFill>
                             <a:srgbClr val="000000"/>
                           </a:solidFill>
@@ -25823,7 +25818,7 @@
                     <a:p>
                       <a:pPr algn="l" fontAlgn="b"/>
                       <a:r>
-                        <a:rPr lang="fr-CH" sz="1100" b="0" i="0" u="none" strike="noStrike">
+                        <a:rPr lang="fr-CH" sz="1600" b="0" i="0" u="none" strike="noStrike">
                           <a:solidFill>
                             <a:srgbClr val="000000"/>
                           </a:solidFill>
@@ -25883,7 +25878,7 @@
                     <a:p>
                       <a:pPr algn="l" fontAlgn="b"/>
                       <a:r>
-                        <a:rPr lang="fr-CH" sz="1100" b="0" i="0" u="none" strike="noStrike">
+                        <a:rPr lang="fr-CH" sz="1600" b="0" i="0" u="none" strike="noStrike">
                           <a:solidFill>
                             <a:srgbClr val="000000"/>
                           </a:solidFill>
@@ -25943,7 +25938,7 @@
                     <a:p>
                       <a:pPr algn="l" fontAlgn="b"/>
                       <a:r>
-                        <a:rPr lang="fr-CH" sz="1100" b="0" i="0" u="none" strike="noStrike">
+                        <a:rPr lang="fr-CH" sz="1600" b="0" i="0" u="none" strike="noStrike">
                           <a:solidFill>
                             <a:srgbClr val="000000"/>
                           </a:solidFill>
@@ -26003,7 +25998,7 @@
                     <a:p>
                       <a:pPr algn="l" fontAlgn="b"/>
                       <a:r>
-                        <a:rPr lang="fr-CH" sz="1100" b="0" i="0" u="none" strike="noStrike">
+                        <a:rPr lang="fr-CH" sz="1600" b="0" i="0" u="none" strike="noStrike">
                           <a:solidFill>
                             <a:srgbClr val="000000"/>
                           </a:solidFill>
@@ -26065,7 +26060,7 @@
                     <a:p>
                       <a:pPr algn="l" fontAlgn="b"/>
                       <a:r>
-                        <a:rPr lang="fr-CH" sz="1100" b="0" i="0" u="none" strike="noStrike">
+                        <a:rPr lang="fr-CH" sz="1600" b="0" i="0" u="none" strike="noStrike">
                           <a:solidFill>
                             <a:srgbClr val="000000"/>
                           </a:solidFill>
@@ -26122,7 +26117,7 @@
                     <a:p>
                       <a:pPr algn="l" fontAlgn="b"/>
                       <a:r>
-                        <a:rPr lang="fr-CH" sz="1100" b="0" i="0" u="none" strike="noStrike">
+                        <a:rPr lang="fr-CH" sz="1600" b="0" i="0" u="none" strike="noStrike">
                           <a:solidFill>
                             <a:srgbClr val="000000"/>
                           </a:solidFill>
@@ -26179,7 +26174,7 @@
                     <a:p>
                       <a:pPr algn="l" fontAlgn="b"/>
                       <a:r>
-                        <a:rPr lang="fr-CH" sz="1100" b="0" i="0" u="none" strike="noStrike">
+                        <a:rPr lang="fr-CH" sz="1600" b="0" i="0" u="none" strike="noStrike">
                           <a:solidFill>
                             <a:srgbClr val="000000"/>
                           </a:solidFill>
@@ -26236,7 +26231,7 @@
                     <a:p>
                       <a:pPr algn="l" fontAlgn="b"/>
                       <a:r>
-                        <a:rPr lang="fr-CH" sz="1100" b="0" i="0" u="none" strike="noStrike">
+                        <a:rPr lang="fr-CH" sz="1600" b="0" i="0" u="none" strike="noStrike">
                           <a:solidFill>
                             <a:srgbClr val="000000"/>
                           </a:solidFill>
@@ -26293,7 +26288,7 @@
                     <a:p>
                       <a:pPr algn="l" fontAlgn="b"/>
                       <a:r>
-                        <a:rPr lang="fr-CH" sz="1100" b="0" i="0" u="none" strike="noStrike">
+                        <a:rPr lang="fr-CH" sz="1600" b="0" i="0" u="none" strike="noStrike">
                           <a:solidFill>
                             <a:srgbClr val="000000"/>
                           </a:solidFill>
@@ -26350,7 +26345,7 @@
                     <a:p>
                       <a:pPr algn="l" fontAlgn="b"/>
                       <a:r>
-                        <a:rPr lang="fr-CH" sz="1100" b="0" i="0" u="none" strike="noStrike">
+                        <a:rPr lang="fr-CH" sz="1600" b="0" i="0" u="none" strike="noStrike">
                           <a:solidFill>
                             <a:srgbClr val="000000"/>
                           </a:solidFill>
@@ -26409,7 +26404,7 @@
                     <a:p>
                       <a:pPr algn="l" fontAlgn="b"/>
                       <a:r>
-                        <a:rPr lang="fr-CH" sz="1100" b="0" i="0" u="none" strike="noStrike">
+                        <a:rPr lang="fr-CH" sz="1600" b="0" i="0" u="none" strike="noStrike">
                           <a:solidFill>
                             <a:srgbClr val="000000"/>
                           </a:solidFill>
@@ -26469,7 +26464,7 @@
                     <a:p>
                       <a:pPr algn="l" fontAlgn="b"/>
                       <a:r>
-                        <a:rPr lang="fr-CH" sz="1100" b="0" i="0" u="none" strike="noStrike">
+                        <a:rPr lang="fr-CH" sz="1600" b="0" i="0" u="none" strike="noStrike">
                           <a:solidFill>
                             <a:srgbClr val="000000"/>
                           </a:solidFill>
@@ -26529,7 +26524,7 @@
                     <a:p>
                       <a:pPr algn="l" fontAlgn="b"/>
                       <a:r>
-                        <a:rPr lang="fr-CH" sz="1100" b="0" i="0" u="none" strike="noStrike">
+                        <a:rPr lang="fr-CH" sz="1600" b="0" i="0" u="none" strike="noStrike">
                           <a:solidFill>
                             <a:srgbClr val="000000"/>
                           </a:solidFill>
@@ -26589,7 +26584,7 @@
                     <a:p>
                       <a:pPr algn="l" fontAlgn="b"/>
                       <a:r>
-                        <a:rPr lang="fr-CH" sz="1100" b="0" i="0" u="none" strike="noStrike">
+                        <a:rPr lang="fr-CH" sz="1600" b="0" i="0" u="none" strike="noStrike">
                           <a:solidFill>
                             <a:srgbClr val="000000"/>
                           </a:solidFill>
@@ -26649,7 +26644,7 @@
                     <a:p>
                       <a:pPr algn="l" fontAlgn="b"/>
                       <a:r>
-                        <a:rPr lang="fr-CH" sz="1100" b="0" i="0" u="none" strike="noStrike">
+                        <a:rPr lang="fr-CH" sz="1600" b="0" i="0" u="none" strike="noStrike">
                           <a:solidFill>
                             <a:srgbClr val="000000"/>
                           </a:solidFill>
@@ -26709,7 +26704,7 @@
                     <a:p>
                       <a:pPr algn="l" fontAlgn="b"/>
                       <a:r>
-                        <a:rPr lang="fr-CH" sz="1100" b="0" i="0" u="none" strike="noStrike">
+                        <a:rPr lang="fr-CH" sz="1600" b="0" i="0" u="none" strike="noStrike">
                           <a:solidFill>
                             <a:srgbClr val="000000"/>
                           </a:solidFill>
@@ -26771,7 +26766,7 @@
                     <a:p>
                       <a:pPr algn="l" fontAlgn="b"/>
                       <a:r>
-                        <a:rPr lang="fr-CH" sz="1100" b="0" i="0" u="none" strike="noStrike">
+                        <a:rPr lang="fr-CH" sz="1600" b="0" i="0" u="none" strike="noStrike">
                           <a:solidFill>
                             <a:srgbClr val="000000"/>
                           </a:solidFill>
@@ -26828,7 +26823,7 @@
                     <a:p>
                       <a:pPr algn="l" fontAlgn="b"/>
                       <a:r>
-                        <a:rPr lang="fr-CH" sz="1100" b="0" i="0" u="none" strike="noStrike">
+                        <a:rPr lang="fr-CH" sz="1600" b="0" i="0" u="none" strike="noStrike">
                           <a:solidFill>
                             <a:srgbClr val="000000"/>
                           </a:solidFill>
@@ -26885,7 +26880,7 @@
                     <a:p>
                       <a:pPr algn="l" fontAlgn="b"/>
                       <a:r>
-                        <a:rPr lang="fr-CH" sz="1100" b="0" i="0" u="none" strike="noStrike">
+                        <a:rPr lang="fr-CH" sz="1600" b="0" i="0" u="none" strike="noStrike">
                           <a:solidFill>
                             <a:srgbClr val="000000"/>
                           </a:solidFill>
@@ -26942,7 +26937,7 @@
                     <a:p>
                       <a:pPr algn="l" fontAlgn="b"/>
                       <a:r>
-                        <a:rPr lang="fr-CH" sz="1100" b="0" i="0" u="none" strike="noStrike">
+                        <a:rPr lang="fr-CH" sz="1600" b="0" i="0" u="none" strike="noStrike">
                           <a:solidFill>
                             <a:srgbClr val="000000"/>
                           </a:solidFill>
@@ -26999,7 +26994,7 @@
                     <a:p>
                       <a:pPr algn="l" fontAlgn="b"/>
                       <a:r>
-                        <a:rPr lang="fr-CH" sz="1100" b="0" i="0" u="none" strike="noStrike">
+                        <a:rPr lang="fr-CH" sz="1600" b="0" i="0" u="none" strike="noStrike">
                           <a:solidFill>
                             <a:srgbClr val="000000"/>
                           </a:solidFill>
@@ -27056,7 +27051,7 @@
                     <a:p>
                       <a:pPr algn="l" fontAlgn="b"/>
                       <a:r>
-                        <a:rPr lang="fr-CH" sz="1100" b="0" i="0" u="none" strike="noStrike">
+                        <a:rPr lang="fr-CH" sz="1600" b="0" i="0" u="none" strike="noStrike">
                           <a:solidFill>
                             <a:srgbClr val="000000"/>
                           </a:solidFill>
@@ -27115,7 +27110,7 @@
                     <a:p>
                       <a:pPr algn="l" fontAlgn="b"/>
                       <a:r>
-                        <a:rPr lang="fr-CH" sz="1100" b="0" i="0" u="none" strike="noStrike">
+                        <a:rPr lang="fr-CH" sz="1600" b="0" i="0" u="none" strike="noStrike">
                           <a:solidFill>
                             <a:srgbClr val="000000"/>
                           </a:solidFill>
@@ -27175,7 +27170,7 @@
                     <a:p>
                       <a:pPr algn="l" fontAlgn="b"/>
                       <a:r>
-                        <a:rPr lang="fr-CH" sz="1100" b="0" i="0" u="none" strike="noStrike">
+                        <a:rPr lang="fr-CH" sz="1600" b="0" i="0" u="none" strike="noStrike">
                           <a:solidFill>
                             <a:srgbClr val="000000"/>
                           </a:solidFill>
@@ -27235,7 +27230,7 @@
                     <a:p>
                       <a:pPr algn="l" fontAlgn="b"/>
                       <a:r>
-                        <a:rPr lang="fr-CH" sz="1100" b="0" i="0" u="none" strike="noStrike">
+                        <a:rPr lang="fr-CH" sz="1600" b="0" i="0" u="none" strike="noStrike">
                           <a:solidFill>
                             <a:srgbClr val="000000"/>
                           </a:solidFill>
@@ -27295,7 +27290,7 @@
                     <a:p>
                       <a:pPr algn="l" fontAlgn="b"/>
                       <a:r>
-                        <a:rPr lang="fr-CH" sz="1100" b="0" i="0" u="none" strike="noStrike">
+                        <a:rPr lang="fr-CH" sz="1600" b="0" i="0" u="none" strike="noStrike">
                           <a:solidFill>
                             <a:srgbClr val="000000"/>
                           </a:solidFill>
@@ -27355,7 +27350,7 @@
                     <a:p>
                       <a:pPr algn="l" fontAlgn="b"/>
                       <a:r>
-                        <a:rPr lang="fr-CH" sz="1100" b="0" i="0" u="none" strike="noStrike">
+                        <a:rPr lang="fr-CH" sz="1600" b="0" i="0" u="none" strike="noStrike">
                           <a:solidFill>
                             <a:srgbClr val="000000"/>
                           </a:solidFill>
@@ -27415,7 +27410,7 @@
                     <a:p>
                       <a:pPr algn="l" fontAlgn="b"/>
                       <a:r>
-                        <a:rPr lang="fr-CH" sz="1100" b="0" i="0" u="none" strike="noStrike">
+                        <a:rPr lang="fr-CH" sz="1600" b="0" i="0" u="none" strike="noStrike">
                           <a:solidFill>
                             <a:srgbClr val="000000"/>
                           </a:solidFill>
@@ -27477,7 +27472,7 @@
                     <a:p>
                       <a:pPr algn="l" fontAlgn="b"/>
                       <a:r>
-                        <a:rPr lang="fr-CH" sz="1100" b="1" i="0" u="none" strike="noStrike">
+                        <a:rPr lang="fr-CH" sz="1600" b="1" i="0" u="none" strike="noStrike">
                           <a:solidFill>
                             <a:srgbClr val="000000"/>
                           </a:solidFill>
@@ -27534,7 +27529,7 @@
                     <a:p>
                       <a:pPr algn="l" fontAlgn="b"/>
                       <a:r>
-                        <a:rPr lang="fr-CH" sz="1100" b="1" i="0" u="none" strike="noStrike">
+                        <a:rPr lang="fr-CH" sz="1600" b="1" i="0" u="none" strike="noStrike">
                           <a:solidFill>
                             <a:srgbClr val="000000"/>
                           </a:solidFill>
@@ -27591,7 +27586,7 @@
                     <a:p>
                       <a:pPr algn="l" fontAlgn="b"/>
                       <a:r>
-                        <a:rPr lang="fr-CH" sz="1100" b="1" i="0" u="none" strike="noStrike">
+                        <a:rPr lang="fr-CH" sz="1600" b="1" i="0" u="none" strike="noStrike">
                           <a:solidFill>
                             <a:srgbClr val="000000"/>
                           </a:solidFill>
@@ -27648,7 +27643,7 @@
                     <a:p>
                       <a:pPr algn="l" fontAlgn="b"/>
                       <a:r>
-                        <a:rPr lang="fr-CH" sz="1100" b="1" i="0" u="none" strike="noStrike">
+                        <a:rPr lang="fr-CH" sz="1600" b="1" i="0" u="none" strike="noStrike">
                           <a:solidFill>
                             <a:srgbClr val="000000"/>
                           </a:solidFill>
@@ -27705,7 +27700,7 @@
                     <a:p>
                       <a:pPr algn="l" fontAlgn="b"/>
                       <a:r>
-                        <a:rPr lang="fr-CH" sz="1100" b="1" i="0" u="none" strike="noStrike">
+                        <a:rPr lang="fr-CH" sz="1600" b="1" i="0" u="none" strike="noStrike">
                           <a:solidFill>
                             <a:srgbClr val="000000"/>
                           </a:solidFill>
@@ -27762,7 +27757,7 @@
                     <a:p>
                       <a:pPr algn="l" fontAlgn="b"/>
                       <a:r>
-                        <a:rPr lang="fr-CH" sz="1100" b="1" i="0" u="none" strike="noStrike" dirty="0">
+                        <a:rPr lang="fr-CH" sz="1600" b="1" i="0" u="none" strike="noStrike" dirty="0">
                           <a:solidFill>
                             <a:srgbClr val="000000"/>
                           </a:solidFill>
@@ -27896,7 +27891,7 @@
             <p:ph idx="1"/>
             <p:extLst>
               <p:ext uri="{D42A27DB-BD31-4B8C-83A1-F6EECF244321}">
-                <p14:modId xmlns:p14="http://schemas.microsoft.com/office/powerpoint/2010/main" val="200716365"/>
+                <p14:modId xmlns:p14="http://schemas.microsoft.com/office/powerpoint/2010/main" val="1417763678"/>
               </p:ext>
             </p:extLst>
           </p:nvPr>
@@ -27925,17 +27920,37 @@
                     <a:p>
                       <a:pPr algn="l" fontAlgn="b"/>
                       <a:r>
-                        <a:rPr lang="fr-CH" sz="1400" b="1" i="0" u="none" strike="noStrike" dirty="0">
+                        <a:rPr lang="fr-CH" sz="1600" b="1" i="0" u="none" strike="noStrike" dirty="0">
                           <a:solidFill>
                             <a:srgbClr val="000000"/>
                           </a:solidFill>
                           <a:effectLst/>
                           <a:latin typeface="Calibri" panose="020F0502020204030204" pitchFamily="34" charset="0"/>
                         </a:rPr>
-                        <a:t>Exemple avec détection de motif complexe par nombre de correspondances, algorithme : </a:t>
+                        <a:t>Exemple avec détection de motif </a:t>
                       </a:r>
                       <a:r>
-                        <a:rPr lang="fr-CH" sz="1400" b="1" i="0" u="none" strike="noStrike" dirty="0" err="1">
+                        <a:rPr lang="fr-CH" sz="1600" b="1" i="0" u="none" strike="noStrike" dirty="0" smtClean="0">
+                          <a:solidFill>
+                            <a:srgbClr val="000000"/>
+                          </a:solidFill>
+                          <a:effectLst/>
+                          <a:latin typeface="Calibri" panose="020F0502020204030204" pitchFamily="34" charset="0"/>
+                        </a:rPr>
+                        <a:t>par </a:t>
+                      </a:r>
+                      <a:r>
+                        <a:rPr lang="fr-CH" sz="1600" b="1" i="0" u="none" strike="noStrike" dirty="0">
+                          <a:solidFill>
+                            <a:srgbClr val="000000"/>
+                          </a:solidFill>
+                          <a:effectLst/>
+                          <a:latin typeface="Calibri" panose="020F0502020204030204" pitchFamily="34" charset="0"/>
+                        </a:rPr>
+                        <a:t>nombre de correspondances, algorithme : </a:t>
+                      </a:r>
+                      <a:r>
+                        <a:rPr lang="fr-CH" sz="1600" b="1" i="0" u="none" strike="noStrike" dirty="0" err="1">
                           <a:solidFill>
                             <a:srgbClr val="000000"/>
                           </a:solidFill>
@@ -27944,7 +27959,7 @@
                         </a:rPr>
                         <a:t>Sift</a:t>
                       </a:r>
-                      <a:endParaRPr lang="fr-CH" sz="1400" b="1" i="0" u="none" strike="noStrike" dirty="0">
+                      <a:endParaRPr lang="fr-CH" sz="1600" b="1" i="0" u="none" strike="noStrike" dirty="0">
                         <a:solidFill>
                           <a:srgbClr val="000000"/>
                         </a:solidFill>
@@ -28027,7 +28042,7 @@
                     <a:p>
                       <a:pPr algn="l" fontAlgn="b"/>
                       <a:r>
-                        <a:rPr lang="fr-CH" sz="1400" b="1" i="0" u="none" strike="noStrike" dirty="0">
+                        <a:rPr lang="fr-CH" sz="1600" b="1" i="0" u="none" strike="noStrike" dirty="0">
                           <a:solidFill>
                             <a:srgbClr val="000000"/>
                           </a:solidFill>
@@ -28105,14 +28120,14 @@
                 </a:tc>
               </a:tr>
               <a:tr h="286192">
-                <a:tc gridSpan="2">
+                <a:tc gridSpan="3">
                   <a:txBody>
                     <a:bodyPr/>
                     <a:lstStyle/>
                     <a:p>
                       <a:pPr algn="l" fontAlgn="b"/>
                       <a:r>
-                        <a:rPr lang="fr-CH" sz="1400" b="1" i="0" u="none" strike="noStrike" dirty="0">
+                        <a:rPr lang="fr-CH" sz="1600" b="1" i="0" u="none" strike="noStrike" dirty="0">
                           <a:solidFill>
                             <a:srgbClr val="000000"/>
                           </a:solidFill>
@@ -28148,13 +28163,13 @@
                   </a:txBody>
                   <a:tcPr/>
                 </a:tc>
-                <a:tc>
+                <a:tc hMerge="1">
                   <a:txBody>
                     <a:bodyPr/>
                     <a:lstStyle/>
                     <a:p>
                       <a:pPr algn="l" fontAlgn="b"/>
-                      <a:endParaRPr lang="fr-CH" sz="1100" b="0" i="0" u="none" strike="noStrike">
+                      <a:endParaRPr lang="fr-CH" sz="1600" b="0" i="0" u="none" strike="noStrike" dirty="0">
                         <a:solidFill>
                           <a:srgbClr val="000000"/>
                         </a:solidFill>
@@ -28184,7 +28199,7 @@
                     <a:lstStyle/>
                     <a:p>
                       <a:pPr algn="l" fontAlgn="b"/>
-                      <a:endParaRPr lang="fr-CH" sz="1100" b="0" i="0" u="none" strike="noStrike">
+                      <a:endParaRPr lang="fr-CH" sz="1600" b="0" i="0" u="none" strike="noStrike" dirty="0">
                         <a:solidFill>
                           <a:srgbClr val="000000"/>
                         </a:solidFill>
@@ -28214,7 +28229,7 @@
                     <a:lstStyle/>
                     <a:p>
                       <a:pPr algn="l" fontAlgn="b"/>
-                      <a:endParaRPr lang="fr-CH" sz="1100" b="0" i="0" u="none" strike="noStrike">
+                      <a:endParaRPr lang="fr-CH" sz="1600" b="0" i="0" u="none" strike="noStrike">
                         <a:solidFill>
                           <a:srgbClr val="000000"/>
                         </a:solidFill>
@@ -28244,7 +28259,7 @@
                     <a:lstStyle/>
                     <a:p>
                       <a:pPr algn="l" fontAlgn="b"/>
-                      <a:endParaRPr lang="fr-CH" sz="1100" b="0" i="0" u="none" strike="noStrike">
+                      <a:endParaRPr lang="fr-CH" sz="1600" b="0" i="0" u="none" strike="noStrike">
                         <a:solidFill>
                           <a:srgbClr val="000000"/>
                         </a:solidFill>
@@ -28276,7 +28291,7 @@
                     <a:lstStyle/>
                     <a:p>
                       <a:pPr algn="l" fontAlgn="b"/>
-                      <a:endParaRPr lang="fr-CH" sz="1100" b="1" i="0" u="none" strike="noStrike">
+                      <a:endParaRPr lang="fr-CH" sz="1600" b="1" i="0" u="none" strike="noStrike">
                         <a:solidFill>
                           <a:srgbClr val="000000"/>
                         </a:solidFill>
@@ -28312,7 +28327,7 @@
                     <a:lstStyle/>
                     <a:p>
                       <a:pPr algn="l" fontAlgn="b"/>
-                      <a:endParaRPr lang="fr-CH" sz="1100" b="0" i="0" u="none" strike="noStrike">
+                      <a:endParaRPr lang="fr-CH" sz="1600" b="0" i="0" u="none" strike="noStrike">
                         <a:solidFill>
                           <a:srgbClr val="000000"/>
                         </a:solidFill>
@@ -28348,7 +28363,7 @@
                     <a:lstStyle/>
                     <a:p>
                       <a:pPr algn="l" fontAlgn="b"/>
-                      <a:endParaRPr lang="fr-CH" sz="1100" b="0" i="0" u="none" strike="noStrike">
+                      <a:endParaRPr lang="fr-CH" sz="1600" b="0" i="0" u="none" strike="noStrike">
                         <a:solidFill>
                           <a:srgbClr val="000000"/>
                         </a:solidFill>
@@ -28384,7 +28399,7 @@
                     <a:lstStyle/>
                     <a:p>
                       <a:pPr algn="l" fontAlgn="b"/>
-                      <a:endParaRPr lang="fr-CH" sz="1100" b="0" i="0" u="none" strike="noStrike">
+                      <a:endParaRPr lang="fr-CH" sz="1600" b="0" i="0" u="none" strike="noStrike">
                         <a:solidFill>
                           <a:srgbClr val="000000"/>
                         </a:solidFill>
@@ -28420,7 +28435,7 @@
                     <a:lstStyle/>
                     <a:p>
                       <a:pPr algn="l" fontAlgn="b"/>
-                      <a:endParaRPr lang="fr-CH" sz="1100" b="0" i="0" u="none" strike="noStrike">
+                      <a:endParaRPr lang="fr-CH" sz="1600" b="0" i="0" u="none" strike="noStrike">
                         <a:solidFill>
                           <a:srgbClr val="000000"/>
                         </a:solidFill>
@@ -28456,7 +28471,7 @@
                     <a:lstStyle/>
                     <a:p>
                       <a:pPr algn="l" fontAlgn="b"/>
-                      <a:endParaRPr lang="fr-CH" sz="1100" b="0" i="0" u="none" strike="noStrike">
+                      <a:endParaRPr lang="fr-CH" sz="1600" b="0" i="0" u="none" strike="noStrike">
                         <a:solidFill>
                           <a:srgbClr val="000000"/>
                         </a:solidFill>
@@ -28495,7 +28510,7 @@
                     <a:p>
                       <a:pPr algn="l" fontAlgn="b"/>
                       <a:r>
-                        <a:rPr lang="fr-CH" sz="1100" b="1" i="0" u="none" strike="noStrike">
+                        <a:rPr lang="fr-CH" sz="1600" b="1" i="0" u="none" strike="noStrike">
                           <a:solidFill>
                             <a:srgbClr val="000000"/>
                           </a:solidFill>
@@ -28552,7 +28567,7 @@
                     <a:p>
                       <a:pPr algn="l" fontAlgn="b"/>
                       <a:r>
-                        <a:rPr lang="fr-CH" sz="1100" b="1" i="0" u="none" strike="noStrike">
+                        <a:rPr lang="fr-CH" sz="1600" b="1" i="0" u="none" strike="noStrike">
                           <a:solidFill>
                             <a:srgbClr val="000000"/>
                           </a:solidFill>
@@ -28609,7 +28624,7 @@
                     <a:p>
                       <a:pPr algn="l" fontAlgn="b"/>
                       <a:r>
-                        <a:rPr lang="fr-CH" sz="1100" b="1" i="0" u="none" strike="noStrike">
+                        <a:rPr lang="fr-CH" sz="1600" b="1" i="0" u="none" strike="noStrike">
                           <a:solidFill>
                             <a:srgbClr val="000000"/>
                           </a:solidFill>
@@ -28666,7 +28681,7 @@
                     <a:p>
                       <a:pPr algn="l" fontAlgn="b"/>
                       <a:r>
-                        <a:rPr lang="fr-CH" sz="1100" b="1" i="0" u="none" strike="noStrike">
+                        <a:rPr lang="fr-CH" sz="1600" b="1" i="0" u="none" strike="noStrike">
                           <a:solidFill>
                             <a:srgbClr val="000000"/>
                           </a:solidFill>
@@ -28723,7 +28738,7 @@
                     <a:p>
                       <a:pPr algn="l" fontAlgn="b"/>
                       <a:r>
-                        <a:rPr lang="fr-CH" sz="1100" b="1" i="0" u="none" strike="noStrike">
+                        <a:rPr lang="fr-CH" sz="1600" b="1" i="0" u="none" strike="noStrike">
                           <a:solidFill>
                             <a:srgbClr val="000000"/>
                           </a:solidFill>
@@ -28780,7 +28795,7 @@
                     <a:p>
                       <a:pPr algn="l" fontAlgn="b"/>
                       <a:r>
-                        <a:rPr lang="fr-CH" sz="1100" b="1" i="0" u="none" strike="noStrike">
+                        <a:rPr lang="fr-CH" sz="1600" b="1" i="0" u="none" strike="noStrike">
                           <a:solidFill>
                             <a:srgbClr val="000000"/>
                           </a:solidFill>
@@ -28839,7 +28854,7 @@
                     <a:p>
                       <a:pPr algn="l" fontAlgn="b"/>
                       <a:r>
-                        <a:rPr lang="fr-CH" sz="1100" b="0" i="0" u="none" strike="noStrike">
+                        <a:rPr lang="fr-CH" sz="1600" b="0" i="0" u="none" strike="noStrike">
                           <a:solidFill>
                             <a:srgbClr val="000000"/>
                           </a:solidFill>
@@ -28899,7 +28914,7 @@
                     <a:p>
                       <a:pPr algn="l" fontAlgn="b"/>
                       <a:r>
-                        <a:rPr lang="fr-CH" sz="1100" b="0" i="0" u="none" strike="noStrike">
+                        <a:rPr lang="fr-CH" sz="1600" b="0" i="0" u="none" strike="noStrike">
                           <a:solidFill>
                             <a:srgbClr val="000000"/>
                           </a:solidFill>
@@ -28959,7 +28974,7 @@
                     <a:p>
                       <a:pPr algn="l" fontAlgn="b"/>
                       <a:r>
-                        <a:rPr lang="fr-CH" sz="1100" b="0" i="0" u="none" strike="noStrike">
+                        <a:rPr lang="fr-CH" sz="1600" b="0" i="0" u="none" strike="noStrike">
                           <a:solidFill>
                             <a:srgbClr val="000000"/>
                           </a:solidFill>
@@ -29019,7 +29034,7 @@
                     <a:p>
                       <a:pPr algn="l" fontAlgn="b"/>
                       <a:r>
-                        <a:rPr lang="fr-CH" sz="1100" b="0" i="0" u="none" strike="noStrike">
+                        <a:rPr lang="fr-CH" sz="1600" b="0" i="0" u="none" strike="noStrike">
                           <a:solidFill>
                             <a:srgbClr val="000000"/>
                           </a:solidFill>
@@ -29079,7 +29094,7 @@
                     <a:p>
                       <a:pPr algn="l" fontAlgn="b"/>
                       <a:r>
-                        <a:rPr lang="fr-CH" sz="1100" b="0" i="0" u="none" strike="noStrike">
+                        <a:rPr lang="fr-CH" sz="1600" b="0" i="0" u="none" strike="noStrike">
                           <a:solidFill>
                             <a:srgbClr val="000000"/>
                           </a:solidFill>
@@ -29139,7 +29154,7 @@
                     <a:p>
                       <a:pPr algn="l" fontAlgn="b"/>
                       <a:r>
-                        <a:rPr lang="fr-CH" sz="1100" b="0" i="0" u="none" strike="noStrike">
+                        <a:rPr lang="fr-CH" sz="1600" b="0" i="0" u="none" strike="noStrike">
                           <a:solidFill>
                             <a:srgbClr val="000000"/>
                           </a:solidFill>
@@ -29201,7 +29216,7 @@
                     <a:p>
                       <a:pPr algn="l" fontAlgn="b"/>
                       <a:r>
-                        <a:rPr lang="fr-CH" sz="1100" b="0" i="0" u="none" strike="noStrike">
+                        <a:rPr lang="fr-CH" sz="1600" b="0" i="0" u="none" strike="noStrike">
                           <a:solidFill>
                             <a:srgbClr val="000000"/>
                           </a:solidFill>
@@ -29258,7 +29273,7 @@
                     <a:p>
                       <a:pPr algn="l" fontAlgn="b"/>
                       <a:r>
-                        <a:rPr lang="fr-CH" sz="1100" b="0" i="0" u="none" strike="noStrike">
+                        <a:rPr lang="fr-CH" sz="1600" b="0" i="0" u="none" strike="noStrike">
                           <a:solidFill>
                             <a:srgbClr val="000000"/>
                           </a:solidFill>
@@ -29315,7 +29330,7 @@
                     <a:p>
                       <a:pPr algn="l" fontAlgn="b"/>
                       <a:r>
-                        <a:rPr lang="fr-CH" sz="1100" b="0" i="0" u="none" strike="noStrike">
+                        <a:rPr lang="fr-CH" sz="1600" b="0" i="0" u="none" strike="noStrike">
                           <a:solidFill>
                             <a:srgbClr val="000000"/>
                           </a:solidFill>
@@ -29372,7 +29387,7 @@
                     <a:p>
                       <a:pPr algn="l" fontAlgn="b"/>
                       <a:r>
-                        <a:rPr lang="fr-CH" sz="1100" b="0" i="0" u="none" strike="noStrike">
+                        <a:rPr lang="fr-CH" sz="1600" b="0" i="0" u="none" strike="noStrike">
                           <a:solidFill>
                             <a:srgbClr val="000000"/>
                           </a:solidFill>
@@ -29429,7 +29444,7 @@
                     <a:p>
                       <a:pPr algn="l" fontAlgn="b"/>
                       <a:r>
-                        <a:rPr lang="fr-CH" sz="1100" b="0" i="0" u="none" strike="noStrike">
+                        <a:rPr lang="fr-CH" sz="1600" b="0" i="0" u="none" strike="noStrike">
                           <a:solidFill>
                             <a:srgbClr val="000000"/>
                           </a:solidFill>
@@ -29486,7 +29501,7 @@
                     <a:p>
                       <a:pPr algn="l" fontAlgn="b"/>
                       <a:r>
-                        <a:rPr lang="fr-CH" sz="1100" b="0" i="0" u="none" strike="noStrike">
+                        <a:rPr lang="fr-CH" sz="1600" b="0" i="0" u="none" strike="noStrike">
                           <a:solidFill>
                             <a:srgbClr val="000000"/>
                           </a:solidFill>
@@ -29545,7 +29560,7 @@
                     <a:p>
                       <a:pPr algn="l" fontAlgn="b"/>
                       <a:r>
-                        <a:rPr lang="fr-CH" sz="1100" b="0" i="0" u="none" strike="noStrike">
+                        <a:rPr lang="fr-CH" sz="1600" b="0" i="0" u="none" strike="noStrike">
                           <a:solidFill>
                             <a:srgbClr val="000000"/>
                           </a:solidFill>
@@ -29605,7 +29620,7 @@
                     <a:p>
                       <a:pPr algn="l" fontAlgn="b"/>
                       <a:r>
-                        <a:rPr lang="fr-CH" sz="1100" b="0" i="0" u="none" strike="noStrike">
+                        <a:rPr lang="fr-CH" sz="1600" b="0" i="0" u="none" strike="noStrike">
                           <a:solidFill>
                             <a:srgbClr val="000000"/>
                           </a:solidFill>
@@ -29665,7 +29680,7 @@
                     <a:p>
                       <a:pPr algn="l" fontAlgn="b"/>
                       <a:r>
-                        <a:rPr lang="fr-CH" sz="1100" b="0" i="0" u="none" strike="noStrike">
+                        <a:rPr lang="fr-CH" sz="1600" b="0" i="0" u="none" strike="noStrike">
                           <a:solidFill>
                             <a:srgbClr val="000000"/>
                           </a:solidFill>
@@ -29725,7 +29740,7 @@
                     <a:p>
                       <a:pPr algn="l" fontAlgn="b"/>
                       <a:r>
-                        <a:rPr lang="fr-CH" sz="1100" b="0" i="0" u="none" strike="noStrike">
+                        <a:rPr lang="fr-CH" sz="1600" b="0" i="0" u="none" strike="noStrike">
                           <a:solidFill>
                             <a:srgbClr val="000000"/>
                           </a:solidFill>
@@ -29785,7 +29800,7 @@
                     <a:p>
                       <a:pPr algn="l" fontAlgn="b"/>
                       <a:r>
-                        <a:rPr lang="fr-CH" sz="1100" b="0" i="0" u="none" strike="noStrike">
+                        <a:rPr lang="fr-CH" sz="1600" b="0" i="0" u="none" strike="noStrike">
                           <a:solidFill>
                             <a:srgbClr val="000000"/>
                           </a:solidFill>
@@ -29845,7 +29860,7 @@
                     <a:p>
                       <a:pPr algn="l" fontAlgn="b"/>
                       <a:r>
-                        <a:rPr lang="fr-CH" sz="1100" b="0" i="0" u="none" strike="noStrike">
+                        <a:rPr lang="fr-CH" sz="1600" b="0" i="0" u="none" strike="noStrike">
                           <a:solidFill>
                             <a:srgbClr val="000000"/>
                           </a:solidFill>
@@ -29907,7 +29922,7 @@
                     <a:p>
                       <a:pPr algn="l" fontAlgn="b"/>
                       <a:r>
-                        <a:rPr lang="fr-CH" sz="1100" b="0" i="0" u="none" strike="noStrike">
+                        <a:rPr lang="fr-CH" sz="1600" b="0" i="0" u="none" strike="noStrike">
                           <a:solidFill>
                             <a:srgbClr val="000000"/>
                           </a:solidFill>
@@ -29964,7 +29979,7 @@
                     <a:p>
                       <a:pPr algn="l" fontAlgn="b"/>
                       <a:r>
-                        <a:rPr lang="fr-CH" sz="1100" b="0" i="0" u="none" strike="noStrike">
+                        <a:rPr lang="fr-CH" sz="1600" b="0" i="0" u="none" strike="noStrike">
                           <a:solidFill>
                             <a:srgbClr val="000000"/>
                           </a:solidFill>
@@ -30021,7 +30036,7 @@
                     <a:p>
                       <a:pPr algn="l" fontAlgn="b"/>
                       <a:r>
-                        <a:rPr lang="fr-CH" sz="1100" b="0" i="0" u="none" strike="noStrike">
+                        <a:rPr lang="fr-CH" sz="1600" b="0" i="0" u="none" strike="noStrike">
                           <a:solidFill>
                             <a:srgbClr val="000000"/>
                           </a:solidFill>
@@ -30078,7 +30093,7 @@
                     <a:p>
                       <a:pPr algn="l" fontAlgn="b"/>
                       <a:r>
-                        <a:rPr lang="fr-CH" sz="1100" b="0" i="0" u="none" strike="noStrike">
+                        <a:rPr lang="fr-CH" sz="1600" b="0" i="0" u="none" strike="noStrike">
                           <a:solidFill>
                             <a:srgbClr val="000000"/>
                           </a:solidFill>
@@ -30135,7 +30150,7 @@
                     <a:p>
                       <a:pPr algn="l" fontAlgn="b"/>
                       <a:r>
-                        <a:rPr lang="fr-CH" sz="1100" b="0" i="0" u="none" strike="noStrike">
+                        <a:rPr lang="fr-CH" sz="1600" b="0" i="0" u="none" strike="noStrike">
                           <a:solidFill>
                             <a:srgbClr val="000000"/>
                           </a:solidFill>
@@ -30192,7 +30207,7 @@
                     <a:p>
                       <a:pPr algn="l" fontAlgn="b"/>
                       <a:r>
-                        <a:rPr lang="fr-CH" sz="1100" b="0" i="0" u="none" strike="noStrike">
+                        <a:rPr lang="fr-CH" sz="1600" b="0" i="0" u="none" strike="noStrike">
                           <a:solidFill>
                             <a:srgbClr val="000000"/>
                           </a:solidFill>
@@ -30251,7 +30266,7 @@
                     <a:p>
                       <a:pPr algn="l" fontAlgn="b"/>
                       <a:r>
-                        <a:rPr lang="fr-CH" sz="1100" b="0" i="0" u="none" strike="noStrike">
+                        <a:rPr lang="fr-CH" sz="1600" b="0" i="0" u="none" strike="noStrike">
                           <a:solidFill>
                             <a:srgbClr val="000000"/>
                           </a:solidFill>
@@ -30311,7 +30326,7 @@
                     <a:p>
                       <a:pPr algn="l" fontAlgn="b"/>
                       <a:r>
-                        <a:rPr lang="fr-CH" sz="1100" b="0" i="0" u="none" strike="noStrike">
+                        <a:rPr lang="fr-CH" sz="1600" b="0" i="0" u="none" strike="noStrike">
                           <a:solidFill>
                             <a:srgbClr val="000000"/>
                           </a:solidFill>
@@ -30371,7 +30386,7 @@
                     <a:p>
                       <a:pPr algn="l" fontAlgn="b"/>
                       <a:r>
-                        <a:rPr lang="fr-CH" sz="1100" b="0" i="0" u="none" strike="noStrike">
+                        <a:rPr lang="fr-CH" sz="1600" b="0" i="0" u="none" strike="noStrike">
                           <a:solidFill>
                             <a:srgbClr val="000000"/>
                           </a:solidFill>
@@ -30431,7 +30446,7 @@
                     <a:p>
                       <a:pPr algn="l" fontAlgn="b"/>
                       <a:r>
-                        <a:rPr lang="fr-CH" sz="1100" b="0" i="0" u="none" strike="noStrike">
+                        <a:rPr lang="fr-CH" sz="1600" b="0" i="0" u="none" strike="noStrike">
                           <a:solidFill>
                             <a:srgbClr val="000000"/>
                           </a:solidFill>
@@ -30491,7 +30506,7 @@
                     <a:p>
                       <a:pPr algn="l" fontAlgn="b"/>
                       <a:r>
-                        <a:rPr lang="fr-CH" sz="1100" b="0" i="0" u="none" strike="noStrike">
+                        <a:rPr lang="fr-CH" sz="1600" b="0" i="0" u="none" strike="noStrike">
                           <a:solidFill>
                             <a:srgbClr val="000000"/>
                           </a:solidFill>
@@ -30551,7 +30566,7 @@
                     <a:p>
                       <a:pPr algn="l" fontAlgn="b"/>
                       <a:r>
-                        <a:rPr lang="fr-CH" sz="1100" b="0" i="0" u="none" strike="noStrike">
+                        <a:rPr lang="fr-CH" sz="1600" b="0" i="0" u="none" strike="noStrike">
                           <a:solidFill>
                             <a:srgbClr val="000000"/>
                           </a:solidFill>
@@ -30613,7 +30628,7 @@
                     <a:p>
                       <a:pPr algn="l" fontAlgn="b"/>
                       <a:r>
-                        <a:rPr lang="fr-CH" sz="1100" b="0" i="0" u="none" strike="noStrike">
+                        <a:rPr lang="fr-CH" sz="1600" b="0" i="0" u="none" strike="noStrike">
                           <a:solidFill>
                             <a:srgbClr val="000000"/>
                           </a:solidFill>
@@ -30670,7 +30685,7 @@
                     <a:p>
                       <a:pPr algn="l" fontAlgn="b"/>
                       <a:r>
-                        <a:rPr lang="fr-CH" sz="1100" b="0" i="0" u="none" strike="noStrike">
+                        <a:rPr lang="fr-CH" sz="1600" b="0" i="0" u="none" strike="noStrike">
                           <a:solidFill>
                             <a:srgbClr val="000000"/>
                           </a:solidFill>
@@ -30727,7 +30742,7 @@
                     <a:p>
                       <a:pPr algn="l" fontAlgn="b"/>
                       <a:r>
-                        <a:rPr lang="fr-CH" sz="1100" b="0" i="0" u="none" strike="noStrike">
+                        <a:rPr lang="fr-CH" sz="1600" b="0" i="0" u="none" strike="noStrike">
                           <a:solidFill>
                             <a:srgbClr val="000000"/>
                           </a:solidFill>
@@ -30784,7 +30799,7 @@
                     <a:p>
                       <a:pPr algn="l" fontAlgn="b"/>
                       <a:r>
-                        <a:rPr lang="fr-CH" sz="1100" b="0" i="0" u="none" strike="noStrike">
+                        <a:rPr lang="fr-CH" sz="1600" b="0" i="0" u="none" strike="noStrike">
                           <a:solidFill>
                             <a:srgbClr val="000000"/>
                           </a:solidFill>
@@ -30841,7 +30856,7 @@
                     <a:p>
                       <a:pPr algn="l" fontAlgn="b"/>
                       <a:r>
-                        <a:rPr lang="fr-CH" sz="1100" b="0" i="0" u="none" strike="noStrike">
+                        <a:rPr lang="fr-CH" sz="1600" b="0" i="0" u="none" strike="noStrike">
                           <a:solidFill>
                             <a:srgbClr val="000000"/>
                           </a:solidFill>
@@ -30898,7 +30913,7 @@
                     <a:p>
                       <a:pPr algn="l" fontAlgn="b"/>
                       <a:r>
-                        <a:rPr lang="fr-CH" sz="1100" b="0" i="0" u="none" strike="noStrike">
+                        <a:rPr lang="fr-CH" sz="1600" b="0" i="0" u="none" strike="noStrike">
                           <a:solidFill>
                             <a:srgbClr val="000000"/>
                           </a:solidFill>
@@ -30957,7 +30972,7 @@
                     <a:p>
                       <a:pPr algn="l" fontAlgn="b"/>
                       <a:r>
-                        <a:rPr lang="fr-CH" sz="1100" b="1" i="0" u="none" strike="noStrike">
+                        <a:rPr lang="fr-CH" sz="1600" b="1" i="0" u="none" strike="noStrike">
                           <a:solidFill>
                             <a:srgbClr val="000000"/>
                           </a:solidFill>
@@ -31014,7 +31029,7 @@
                     <a:p>
                       <a:pPr algn="l" fontAlgn="b"/>
                       <a:r>
-                        <a:rPr lang="fr-CH" sz="1100" b="1" i="0" u="none" strike="noStrike">
+                        <a:rPr lang="fr-CH" sz="1600" b="1" i="0" u="none" strike="noStrike">
                           <a:solidFill>
                             <a:srgbClr val="000000"/>
                           </a:solidFill>
@@ -31071,7 +31086,7 @@
                     <a:p>
                       <a:pPr algn="l" fontAlgn="b"/>
                       <a:r>
-                        <a:rPr lang="fr-CH" sz="1100" b="1" i="0" u="none" strike="noStrike">
+                        <a:rPr lang="fr-CH" sz="1600" b="1" i="0" u="none" strike="noStrike">
                           <a:solidFill>
                             <a:srgbClr val="000000"/>
                           </a:solidFill>
@@ -31128,7 +31143,7 @@
                     <a:p>
                       <a:pPr algn="l" fontAlgn="b"/>
                       <a:r>
-                        <a:rPr lang="fr-CH" sz="1100" b="1" i="0" u="none" strike="noStrike">
+                        <a:rPr lang="fr-CH" sz="1600" b="1" i="0" u="none" strike="noStrike">
                           <a:solidFill>
                             <a:srgbClr val="000000"/>
                           </a:solidFill>
@@ -31185,7 +31200,7 @@
                     <a:p>
                       <a:pPr algn="l" fontAlgn="b"/>
                       <a:r>
-                        <a:rPr lang="fr-CH" sz="1100" b="1" i="0" u="none" strike="noStrike" dirty="0">
+                        <a:rPr lang="fr-CH" sz="1600" b="1" i="0" u="none" strike="noStrike" dirty="0">
                           <a:solidFill>
                             <a:srgbClr val="000000"/>
                           </a:solidFill>
@@ -31242,7 +31257,7 @@
                     <a:p>
                       <a:pPr algn="l" fontAlgn="b"/>
                       <a:r>
-                        <a:rPr lang="fr-CH" sz="1100" b="1" i="0" u="none" strike="noStrike" dirty="0">
+                        <a:rPr lang="fr-CH" sz="1600" b="1" i="0" u="none" strike="noStrike" dirty="0">
                           <a:solidFill>
                             <a:srgbClr val="000000"/>
                           </a:solidFill>
@@ -32537,7 +32552,7 @@
             <a:pPr lvl="1"/>
             <a:r>
               <a:rPr lang="fr-CH" dirty="0" smtClean="0"/>
-              <a:t>Analyse de </a:t>
+              <a:t>Transformée de </a:t>
             </a:r>
             <a:r>
               <a:rPr lang="fr-CH" dirty="0" err="1" smtClean="0"/>
@@ -33034,7 +33049,7 @@
         </p:spPr>
         <p:txBody>
           <a:bodyPr>
-            <a:normAutofit fontScale="92500" lnSpcReduction="10000"/>
+            <a:normAutofit fontScale="92500" lnSpcReduction="20000"/>
           </a:bodyPr>
           <a:lstStyle/>
           <a:p>
@@ -33046,11 +33061,7 @@
           <a:p>
             <a:r>
               <a:rPr lang="fr-CH" dirty="0" smtClean="0"/>
-              <a:t>Opérations </a:t>
-            </a:r>
-            <a:r>
-              <a:rPr lang="fr-CH" dirty="0" smtClean="0"/>
-              <a:t>:</a:t>
+              <a:t>Opérations :</a:t>
             </a:r>
           </a:p>
           <a:p>
@@ -33071,26 +33082,14 @@
             <a:pPr lvl="1"/>
             <a:r>
               <a:rPr lang="fr-CH" dirty="0" smtClean="0"/>
-              <a:t>Comparaison des points </a:t>
-            </a:r>
-            <a:r>
-              <a:rPr lang="fr-CH" dirty="0" smtClean="0"/>
-              <a:t>caractéristiques</a:t>
+              <a:t>Comparaison des points caractéristiques</a:t>
             </a:r>
           </a:p>
           <a:p>
             <a:pPr lvl="1"/>
             <a:r>
               <a:rPr lang="fr-CH" dirty="0" smtClean="0"/>
-              <a:t>Calcul </a:t>
-            </a:r>
-            <a:r>
-              <a:rPr lang="fr-CH" dirty="0" smtClean="0"/>
-              <a:t>des centres de </a:t>
-            </a:r>
-            <a:r>
-              <a:rPr lang="fr-CH" dirty="0" smtClean="0"/>
-              <a:t>gravité</a:t>
+              <a:t>Calcul des centres de gravité</a:t>
             </a:r>
           </a:p>
           <a:p>
@@ -33111,16 +33110,11 @@
               <a:rPr lang="fr-CH" dirty="0" smtClean="0"/>
               <a:t>correspondances</a:t>
             </a:r>
-            <a:endParaRPr lang="fr-CH" dirty="0" smtClean="0"/>
           </a:p>
           <a:p>
             <a:r>
               <a:rPr lang="fr-CH" dirty="0" smtClean="0"/>
-              <a:t>Résultat </a:t>
-            </a:r>
-            <a:r>
-              <a:rPr lang="fr-CH" dirty="0" smtClean="0"/>
-              <a:t>:</a:t>
+              <a:t>Résultat :</a:t>
             </a:r>
           </a:p>
           <a:p>
@@ -33137,11 +33131,7 @@
             </a:r>
             <a:r>
               <a:rPr lang="fr-CH" dirty="0" smtClean="0"/>
-              <a:t>, #matchs) </a:t>
-            </a:r>
-            <a:r>
-              <a:rPr lang="fr-CH" dirty="0" smtClean="0"/>
-              <a:t>avec </a:t>
+              <a:t>, #matchs) avec </a:t>
             </a:r>
             <a:r>
               <a:rPr lang="fr-CH" dirty="0" err="1" smtClean="0"/>
@@ -33159,16 +33149,12 @@
             <a:pPr lvl="1"/>
             <a:r>
               <a:rPr lang="fr-CH" dirty="0" smtClean="0"/>
-              <a:t>Mémoriser les points qui ont plus que S </a:t>
+              <a:t>Mémoriser les points </a:t>
             </a:r>
             <a:r>
-              <a:rPr lang="fr-CH" i="1" dirty="0" smtClean="0"/>
-              <a:t>matchs</a:t>
+              <a:rPr lang="fr-CH" dirty="0" smtClean="0"/>
+              <a:t>au dessus d’un seuil de S matchs</a:t>
             </a:r>
-            <a:endParaRPr lang="fr-CH" i="1" dirty="0" smtClean="0"/>
-          </a:p>
-          <a:p>
-            <a:pPr lvl="1"/>
             <a:endParaRPr lang="fr-CH" dirty="0" smtClean="0"/>
           </a:p>
           <a:p>
